--- a/6.Crypto/Cryptology6-Diffie-Hellman.pptx
+++ b/6.Crypto/Cryptology6-Diffie-Hellman.pptx
@@ -5,7 +5,7 @@
     <p:sldMasterId id="2147483648" r:id="rId1"/>
   </p:sldMasterIdLst>
   <p:notesMasterIdLst>
-    <p:notesMasterId r:id="rId16"/>
+    <p:notesMasterId r:id="rId17"/>
   </p:notesMasterIdLst>
   <p:sldIdLst>
     <p:sldId id="256" r:id="rId2"/>
@@ -16,12 +16,13 @@
     <p:sldId id="260" r:id="rId7"/>
     <p:sldId id="262" r:id="rId8"/>
     <p:sldId id="263" r:id="rId9"/>
-    <p:sldId id="264" r:id="rId10"/>
-    <p:sldId id="269" r:id="rId11"/>
-    <p:sldId id="270" r:id="rId12"/>
-    <p:sldId id="271" r:id="rId13"/>
-    <p:sldId id="266" r:id="rId14"/>
-    <p:sldId id="272" r:id="rId15"/>
+    <p:sldId id="274" r:id="rId10"/>
+    <p:sldId id="264" r:id="rId11"/>
+    <p:sldId id="269" r:id="rId12"/>
+    <p:sldId id="270" r:id="rId13"/>
+    <p:sldId id="271" r:id="rId14"/>
+    <p:sldId id="266" r:id="rId15"/>
+    <p:sldId id="272" r:id="rId16"/>
   </p:sldIdLst>
   <p:sldSz cx="12192000" cy="6858000"/>
   <p:notesSz cx="6858000" cy="9144000"/>
@@ -213,7 +214,7 @@
           <a:p>
             <a:fld id="{8F1BD06C-C81C-47D7-B7EE-28E1C7297220}" type="datetimeFigureOut">
               <a:rPr lang="en-US" smtClean="0"/>
-              <a:t>11/25/2020</a:t>
+              <a:t>11/12/2021</a:t>
             </a:fld>
             <a:endParaRPr lang="en-US"/>
           </a:p>
@@ -644,15 +645,15 @@
           <a:p>
             <a:r>
               <a:rPr lang="en-US" dirty="0"/>
-              <a:t>This discussion of subgroups is not necessary to understand that the Diffie-Hellman scheme works.  It does help to explain why careful selection of p and </a:t>
-            </a:r>
-            <a:r>
-              <a:rPr lang="el-GR" dirty="0"/>
-              <a:t>α</a:t>
-            </a:r>
-            <a:r>
-              <a:rPr lang="en-US" dirty="0"/>
-              <a:t> is important.</a:t>
+              <a:t>Note to self:  good info here, need to decide just where it should go, </a:t>
+            </a:r>
+            <a:r>
+              <a:rPr lang="en-US" dirty="0" err="1"/>
+              <a:t>tho</a:t>
+            </a:r>
+            <a:r>
+              <a:rPr lang="en-US" dirty="0"/>
+              <a:t>…</a:t>
             </a:r>
           </a:p>
           <a:p>
@@ -661,110 +662,7 @@
           <a:p>
             <a:r>
               <a:rPr lang="en-US" dirty="0"/>
-              <a:t>We would prefer that whenever we take </a:t>
-            </a:r>
-            <a:r>
-              <a:rPr lang="el-GR" dirty="0"/>
-              <a:t>α</a:t>
-            </a:r>
-            <a:r>
-              <a:rPr lang="en-US" dirty="0"/>
-              <a:t> to a power, we get a different answer whenever the power is different.  That’s not always what happens though.  Sometimes, a specific value of </a:t>
-            </a:r>
-            <a:r>
-              <a:rPr lang="el-GR" dirty="0"/>
-              <a:t>α</a:t>
-            </a:r>
-            <a:r>
-              <a:rPr lang="en-US" dirty="0"/>
-              <a:t> may get trapped in a small loop.  For that </a:t>
-            </a:r>
-            <a:r>
-              <a:rPr lang="el-GR" dirty="0"/>
-              <a:t>α</a:t>
-            </a:r>
-            <a:r>
-              <a:rPr lang="en-US" dirty="0"/>
-              <a:t>, even though we use all possible exponents {1, 2, …, p-1} we may get only a few answers.</a:t>
-            </a:r>
-          </a:p>
-          <a:p>
-            <a:endParaRPr lang="en-US" dirty="0"/>
-          </a:p>
-          <a:p>
-            <a:r>
-              <a:rPr lang="en-US" dirty="0"/>
-              <a:t>In the example with p=17, if we have the bad luck to choose </a:t>
-            </a:r>
-            <a:r>
-              <a:rPr lang="el-GR" dirty="0"/>
-              <a:t>α</a:t>
-            </a:r>
-            <a:r>
-              <a:rPr lang="en-US" dirty="0"/>
-              <a:t>=4 there are only four possible answers.  If we chose </a:t>
-            </a:r>
-            <a:r>
-              <a:rPr lang="el-GR" dirty="0"/>
-              <a:t>α</a:t>
-            </a:r>
-            <a:r>
-              <a:rPr lang="en-US" dirty="0"/>
-              <a:t>=3, there would be 16 possible answers.</a:t>
-            </a:r>
-          </a:p>
-          <a:p>
-            <a:endParaRPr lang="en-US" dirty="0"/>
-          </a:p>
-          <a:p>
-            <a:r>
-              <a:rPr lang="en-US" dirty="0"/>
-              <a:t>Even worse, if we were foolish enough to choose </a:t>
-            </a:r>
-            <a:r>
-              <a:rPr lang="el-GR" dirty="0"/>
-              <a:t>α</a:t>
-            </a:r>
-            <a:r>
-              <a:rPr lang="en-US" dirty="0"/>
-              <a:t>=16 or (p-1) there would only be two possible answers.  If the attacker knew we were rattling about in this tiny loop, they wouldn’t have much trouble in breaking our system.</a:t>
-            </a:r>
-          </a:p>
-          <a:p>
-            <a:endParaRPr lang="en-US" dirty="0"/>
-          </a:p>
-          <a:p>
-            <a:r>
-              <a:rPr lang="en-US" dirty="0"/>
-              <a:t>See the spreadsheet Z-17subgroups.xlsx, which shows the subgroups in Z</a:t>
-            </a:r>
-            <a:r>
-              <a:rPr lang="en-US" baseline="-25000" dirty="0"/>
-              <a:t>17</a:t>
-            </a:r>
-            <a:r>
-              <a:rPr lang="en-US" dirty="0"/>
-              <a:t> that result from different selections of </a:t>
-            </a:r>
-            <a:r>
-              <a:rPr lang="el-GR" dirty="0"/>
-              <a:t>α</a:t>
-            </a:r>
-            <a:r>
-              <a:rPr lang="en-US" dirty="0"/>
-              <a:t>.</a:t>
-            </a:r>
-          </a:p>
-          <a:p>
-            <a:r>
-              <a:rPr lang="en-US" dirty="0"/>
-              <a:t>  </a:t>
-            </a:r>
-          </a:p>
-          <a:p>
-            <a:r>
-              <a:rPr lang="en-US" dirty="0"/>
-              <a:t>  </a:t>
+              <a:t>As of three years ago, RSA was the dominant algorithm by far for computing digital signatures.  However, it was used in only 39% of HTTPS key exchanges.  This number should be even smaller now, since TLS v1.3 forbids the use of RSA.  For the foreseeable future, expect HTTPS to be mostly the elliptic curve variant of DHKE.</a:t>
             </a:r>
           </a:p>
         </p:txBody>
@@ -795,7 +693,7 @@
     </p:spTree>
     <p:extLst>
       <p:ext uri="{BB962C8B-B14F-4D97-AF65-F5344CB8AC3E}">
-        <p14:creationId xmlns:p14="http://schemas.microsoft.com/office/powerpoint/2010/main" val="2772787601"/>
+        <p14:creationId xmlns:p14="http://schemas.microsoft.com/office/powerpoint/2010/main" val="198844325"/>
       </p:ext>
     </p:extLst>
   </p:cSld>
@@ -851,7 +749,7 @@
           <a:p>
             <a:r>
               <a:rPr lang="en-US" dirty="0"/>
-              <a:t>This is just a simple Python For Loop, with </a:t>
+              <a:t>This discussion of subgroups is not necessary to understand that the Diffie-Hellman scheme works.  It does help to explain why careful selection of p and </a:t>
             </a:r>
             <a:r>
               <a:rPr lang="el-GR" dirty="0"/>
@@ -859,19 +757,24 @@
             </a:r>
             <a:r>
               <a:rPr lang="en-US" dirty="0"/>
-              <a:t> values of 3, 2, and 16.  You can see that as soon as </a:t>
+              <a:t> is important.</a:t>
+            </a:r>
+          </a:p>
+          <a:p>
+            <a:endParaRPr lang="en-US" dirty="0"/>
+          </a:p>
+          <a:p>
+            <a:r>
+              <a:rPr lang="en-US" dirty="0"/>
+              <a:t>We would prefer that whenever we take </a:t>
             </a:r>
             <a:r>
               <a:rPr lang="el-GR" dirty="0"/>
               <a:t>α</a:t>
             </a:r>
             <a:r>
-              <a:rPr lang="en-US" baseline="30000" dirty="0"/>
-              <a:t>x</a:t>
-            </a:r>
-            <a:r>
-              <a:rPr lang="en-US" dirty="0"/>
-              <a:t> hits 1, the answers start to repeat.  The file Z-17subgroups.xlsx is a simple spreadsheet that shows the exponents for all values of </a:t>
+              <a:rPr lang="en-US" dirty="0"/>
+              <a:t> to a power, we get a different answer whenever the power is different.  That’s not always what happens though.  Sometimes, a specific value of </a:t>
             </a:r>
             <a:r>
               <a:rPr lang="el-GR" dirty="0"/>
@@ -879,7 +782,15 @@
             </a:r>
             <a:r>
               <a:rPr lang="en-US" dirty="0"/>
-              <a:t>.</a:t>
+              <a:t> may get trapped in a small loop.  For that </a:t>
+            </a:r>
+            <a:r>
+              <a:rPr lang="el-GR" dirty="0"/>
+              <a:t>α</a:t>
+            </a:r>
+            <a:r>
+              <a:rPr lang="en-US" dirty="0"/>
+              <a:t>, even though we use all possible exponents {1, 2, …, p-1} we may get only a few answers.</a:t>
             </a:r>
           </a:p>
           <a:p>
@@ -888,7 +799,49 @@
           <a:p>
             <a:r>
               <a:rPr lang="en-US" dirty="0"/>
-              <a:t>If you like math, p = 17 gives a cyclic group called Z</a:t>
+              <a:t>In the example with p=17, if we have the bad luck to choose </a:t>
+            </a:r>
+            <a:r>
+              <a:rPr lang="el-GR" dirty="0"/>
+              <a:t>α</a:t>
+            </a:r>
+            <a:r>
+              <a:rPr lang="en-US" dirty="0"/>
+              <a:t>=4 there are only four possible answers.  If we chose </a:t>
+            </a:r>
+            <a:r>
+              <a:rPr lang="el-GR" dirty="0"/>
+              <a:t>α</a:t>
+            </a:r>
+            <a:r>
+              <a:rPr lang="en-US" dirty="0"/>
+              <a:t>=3, there would be 16 possible answers.</a:t>
+            </a:r>
+          </a:p>
+          <a:p>
+            <a:endParaRPr lang="en-US" dirty="0"/>
+          </a:p>
+          <a:p>
+            <a:r>
+              <a:rPr lang="en-US" dirty="0"/>
+              <a:t>Even worse, if we were foolish enough to choose </a:t>
+            </a:r>
+            <a:r>
+              <a:rPr lang="el-GR" dirty="0"/>
+              <a:t>α</a:t>
+            </a:r>
+            <a:r>
+              <a:rPr lang="en-US" dirty="0"/>
+              <a:t>=16 or (p-1) there would only be two possible answers.  If the attacker knew we were rattling about in this tiny loop, they wouldn’t have much trouble in breaking our system.</a:t>
+            </a:r>
+          </a:p>
+          <a:p>
+            <a:endParaRPr lang="en-US" dirty="0"/>
+          </a:p>
+          <a:p>
+            <a:r>
+              <a:rPr lang="en-US" dirty="0"/>
+              <a:t>See the spreadsheet Z-17subgroups.xlsx, which shows the subgroups in Z</a:t>
             </a:r>
             <a:r>
               <a:rPr lang="en-US" baseline="-25000" dirty="0"/>
@@ -896,24 +849,7 @@
             </a:r>
             <a:r>
               <a:rPr lang="en-US" dirty="0"/>
-              <a:t>*, {1, 2, …, 16} (note that 0 is excluded because it does not have an inverse.)  The group’s order, |Z</a:t>
-            </a:r>
-            <a:r>
-              <a:rPr lang="en-US" baseline="-25000" dirty="0"/>
-              <a:t>17</a:t>
-            </a:r>
-            <a:r>
-              <a:rPr lang="en-US" dirty="0"/>
-              <a:t>*|, is p-1 = 16 which means the group has 16 members that are relatively prime to 17.  The group’s order (16) has factors 1, 2, 4, 8, and 16.  Therefore, there will be one subgroup each with 1 member, 2 members, 4 members, and 8 members in addition to the main group of 16 members.</a:t>
-            </a:r>
-          </a:p>
-          <a:p>
-            <a:endParaRPr lang="en-US" dirty="0"/>
-          </a:p>
-          <a:p>
-            <a:r>
-              <a:rPr lang="en-US" dirty="0"/>
-              <a:t>In this case, we want to choose </a:t>
+              <a:t> that result from different selections of </a:t>
             </a:r>
             <a:r>
               <a:rPr lang="el-GR" dirty="0"/>
@@ -921,52 +857,19 @@
             </a:r>
             <a:r>
               <a:rPr lang="en-US" dirty="0"/>
-              <a:t> from the numbers that cause </a:t>
-            </a:r>
-            <a:r>
-              <a:rPr lang="el-GR" dirty="0"/>
-              <a:t>α</a:t>
-            </a:r>
-            <a:r>
-              <a:rPr lang="en-US" baseline="30000" dirty="0"/>
-              <a:t>x</a:t>
-            </a:r>
-            <a:r>
-              <a:rPr lang="en-US" dirty="0"/>
-              <a:t> to stay in the main group.  Those good values for </a:t>
-            </a:r>
-            <a:r>
-              <a:rPr lang="el-GR" dirty="0"/>
-              <a:t>α</a:t>
-            </a:r>
-            <a:r>
-              <a:rPr lang="en-US" dirty="0"/>
-              <a:t> are 3, 5, 6, 7, 10, 11, 12, and 14.  Notice that there are 8 values, the same as </a:t>
-            </a:r>
-            <a:r>
-              <a:rPr lang="el-GR" dirty="0"/>
-              <a:t>Φ</a:t>
-            </a:r>
-            <a:r>
-              <a:rPr lang="en-US" dirty="0"/>
-              <a:t>(16) = 8.</a:t>
-            </a:r>
-          </a:p>
-          <a:p>
-            <a:endParaRPr lang="en-US" dirty="0"/>
-          </a:p>
-          <a:p>
-            <a:r>
-              <a:rPr lang="en-US" dirty="0"/>
-              <a:t>For a mathematical treatment of this, see “Understanding Cryptography,” </a:t>
-            </a:r>
-            <a:r>
-              <a:rPr lang="en-US" dirty="0" err="1"/>
-              <a:t>Paar</a:t>
-            </a:r>
-            <a:r>
-              <a:rPr lang="en-US" dirty="0"/>
-              <a:t>, Springer 2010, pp. 208 - 216</a:t>
+              <a:t>.</a:t>
+            </a:r>
+          </a:p>
+          <a:p>
+            <a:r>
+              <a:rPr lang="en-US" dirty="0"/>
+              <a:t>  </a:t>
+            </a:r>
+          </a:p>
+          <a:p>
+            <a:r>
+              <a:rPr lang="en-US" dirty="0"/>
+              <a:t>  </a:t>
             </a:r>
           </a:p>
         </p:txBody>
@@ -997,7 +900,7 @@
     </p:spTree>
     <p:extLst>
       <p:ext uri="{BB962C8B-B14F-4D97-AF65-F5344CB8AC3E}">
-        <p14:creationId xmlns:p14="http://schemas.microsoft.com/office/powerpoint/2010/main" val="1406195925"/>
+        <p14:creationId xmlns:p14="http://schemas.microsoft.com/office/powerpoint/2010/main" val="2772787601"/>
       </p:ext>
     </p:extLst>
   </p:cSld>
@@ -1053,7 +956,35 @@
           <a:p>
             <a:r>
               <a:rPr lang="en-US" dirty="0"/>
-              <a:t>The best way for me to see this was by using Z-17subgroups.xlsx.  Each of the factors of p-1 = 17-1 = 16, (1, 2, 4, 8), has a corresponding subgroup with that many elements.</a:t>
+              <a:t>This is just a simple Python For Loop, with </a:t>
+            </a:r>
+            <a:r>
+              <a:rPr lang="el-GR" dirty="0"/>
+              <a:t>α</a:t>
+            </a:r>
+            <a:r>
+              <a:rPr lang="en-US" dirty="0"/>
+              <a:t> values of 3, 2, and 16.  You can see that as soon as </a:t>
+            </a:r>
+            <a:r>
+              <a:rPr lang="el-GR" dirty="0"/>
+              <a:t>α</a:t>
+            </a:r>
+            <a:r>
+              <a:rPr lang="en-US" baseline="30000" dirty="0"/>
+              <a:t>x</a:t>
+            </a:r>
+            <a:r>
+              <a:rPr lang="en-US" dirty="0"/>
+              <a:t> hits 1, the answers start to repeat.  The file Z-17subgroups.xlsx is a simple spreadsheet that shows the exponents for all values of </a:t>
+            </a:r>
+            <a:r>
+              <a:rPr lang="el-GR" dirty="0"/>
+              <a:t>α</a:t>
+            </a:r>
+            <a:r>
+              <a:rPr lang="en-US" dirty="0"/>
+              <a:t>.</a:t>
             </a:r>
           </a:p>
           <a:p>
@@ -1062,7 +993,85 @@
           <a:p>
             <a:r>
               <a:rPr lang="en-US" dirty="0"/>
-              <a:t>I skipped the trivial subgroup with one element, {1} with the primitive element 1, to save space.</a:t>
+              <a:t>If you like math, p = 17 gives a cyclic group called Z</a:t>
+            </a:r>
+            <a:r>
+              <a:rPr lang="en-US" baseline="-25000" dirty="0"/>
+              <a:t>17</a:t>
+            </a:r>
+            <a:r>
+              <a:rPr lang="en-US" dirty="0"/>
+              <a:t>*, {1, 2, …, 16} (note that 0 is excluded because it does not have an inverse.)  The group’s order, |Z</a:t>
+            </a:r>
+            <a:r>
+              <a:rPr lang="en-US" baseline="-25000" dirty="0"/>
+              <a:t>17</a:t>
+            </a:r>
+            <a:r>
+              <a:rPr lang="en-US" dirty="0"/>
+              <a:t>*|, is p-1 = 16 which means the group has 16 members that are relatively prime to 17.  The group’s order (16) has factors 1, 2, 4, 8, and 16.  Therefore, there will be one subgroup each with 1 member, 2 members, 4 members, and 8 members in addition to the main group of 16 members.</a:t>
+            </a:r>
+          </a:p>
+          <a:p>
+            <a:endParaRPr lang="en-US" dirty="0"/>
+          </a:p>
+          <a:p>
+            <a:r>
+              <a:rPr lang="en-US" dirty="0"/>
+              <a:t>In this case, we want to choose </a:t>
+            </a:r>
+            <a:r>
+              <a:rPr lang="el-GR" dirty="0"/>
+              <a:t>α</a:t>
+            </a:r>
+            <a:r>
+              <a:rPr lang="en-US" dirty="0"/>
+              <a:t> from the numbers that cause </a:t>
+            </a:r>
+            <a:r>
+              <a:rPr lang="el-GR" dirty="0"/>
+              <a:t>α</a:t>
+            </a:r>
+            <a:r>
+              <a:rPr lang="en-US" baseline="30000" dirty="0"/>
+              <a:t>x</a:t>
+            </a:r>
+            <a:r>
+              <a:rPr lang="en-US" dirty="0"/>
+              <a:t> to stay in the main group.  Those good values for </a:t>
+            </a:r>
+            <a:r>
+              <a:rPr lang="el-GR" dirty="0"/>
+              <a:t>α</a:t>
+            </a:r>
+            <a:r>
+              <a:rPr lang="en-US" dirty="0"/>
+              <a:t> are 3, 5, 6, 7, 10, 11, 12, and 14.  Notice that there are 8 values, the same as </a:t>
+            </a:r>
+            <a:r>
+              <a:rPr lang="el-GR" dirty="0"/>
+              <a:t>Φ</a:t>
+            </a:r>
+            <a:r>
+              <a:rPr lang="en-US" dirty="0"/>
+              <a:t>(16) = 8.</a:t>
+            </a:r>
+          </a:p>
+          <a:p>
+            <a:endParaRPr lang="en-US" dirty="0"/>
+          </a:p>
+          <a:p>
+            <a:r>
+              <a:rPr lang="en-US" dirty="0"/>
+              <a:t>For a mathematical treatment of this, see “Understanding Cryptography,” </a:t>
+            </a:r>
+            <a:r>
+              <a:rPr lang="en-US" dirty="0" err="1"/>
+              <a:t>Paar</a:t>
+            </a:r>
+            <a:r>
+              <a:rPr lang="en-US" dirty="0"/>
+              <a:t>, Springer 2010, pp. 208 - 216</a:t>
             </a:r>
           </a:p>
         </p:txBody>
@@ -1093,7 +1102,7 @@
     </p:spTree>
     <p:extLst>
       <p:ext uri="{BB962C8B-B14F-4D97-AF65-F5344CB8AC3E}">
-        <p14:creationId xmlns:p14="http://schemas.microsoft.com/office/powerpoint/2010/main" val="3942758239"/>
+        <p14:creationId xmlns:p14="http://schemas.microsoft.com/office/powerpoint/2010/main" val="1406195925"/>
       </p:ext>
     </p:extLst>
   </p:cSld>
@@ -1149,31 +1158,7 @@
           <a:p>
             <a:r>
               <a:rPr lang="en-US" dirty="0"/>
-              <a:t>In summary, we can’t just choose a large random number for p, </a:t>
-            </a:r>
-            <a:r>
-              <a:rPr lang="en-US"/>
-              <a:t>and simply </a:t>
-            </a:r>
-            <a:r>
-              <a:rPr lang="en-US" dirty="0"/>
-              <a:t>choose another number for </a:t>
-            </a:r>
-            <a:r>
-              <a:rPr lang="el-GR" dirty="0"/>
-              <a:t>α</a:t>
-            </a:r>
-            <a:r>
-              <a:rPr lang="en-US" dirty="0"/>
-              <a:t>.  It is important to be sure that our choice of </a:t>
-            </a:r>
-            <a:r>
-              <a:rPr lang="el-GR" dirty="0"/>
-              <a:t>α</a:t>
-            </a:r>
-            <a:r>
-              <a:rPr lang="en-US" dirty="0"/>
-              <a:t> does not generate a very small subgroup.</a:t>
+              <a:t>The best way for me to see this was by using Z-17subgroups.xlsx.  Each of the factors of p-1 = 17-1 = 16, (1, 2, 4, 8), has a corresponding subgroup with that many elements.</a:t>
             </a:r>
           </a:p>
           <a:p>
@@ -1182,31 +1167,7 @@
           <a:p>
             <a:r>
               <a:rPr lang="en-US" dirty="0"/>
-              <a:t>“Safe” primes are discussed in </a:t>
-            </a:r>
-            <a:r>
-              <a:rPr lang="en-US" dirty="0">
-                <a:hlinkClick r:id="rId3"/>
-              </a:rPr>
-              <a:t>https://weakdh.org/imperfect-forward-secrecy-ccs15.pdf</a:t>
-            </a:r>
-            <a:endParaRPr lang="en-US" dirty="0"/>
-          </a:p>
-          <a:p>
-            <a:endParaRPr lang="en-US" dirty="0"/>
-          </a:p>
-          <a:p>
-            <a:r>
-              <a:rPr lang="en-US" dirty="0"/>
-              <a:t>The comment that p and </a:t>
-            </a:r>
-            <a:r>
-              <a:rPr lang="el-GR" dirty="0"/>
-              <a:t>α</a:t>
-            </a:r>
-            <a:r>
-              <a:rPr lang="en-US" dirty="0"/>
-              <a:t> should create a subgroup of at least 224 members comes from NIST.  See the chart in the next slide.</a:t>
+              <a:t>I skipped the trivial subgroup with one element, {1} with the primitive element 1, to save space.</a:t>
             </a:r>
           </a:p>
         </p:txBody>
@@ -1237,7 +1198,7 @@
     </p:spTree>
     <p:extLst>
       <p:ext uri="{BB962C8B-B14F-4D97-AF65-F5344CB8AC3E}">
-        <p14:creationId xmlns:p14="http://schemas.microsoft.com/office/powerpoint/2010/main" val="969649809"/>
+        <p14:creationId xmlns:p14="http://schemas.microsoft.com/office/powerpoint/2010/main" val="3942758239"/>
       </p:ext>
     </p:extLst>
   </p:cSld>
@@ -1293,6 +1254,150 @@
           <a:p>
             <a:r>
               <a:rPr lang="en-US" dirty="0"/>
+              <a:t>In summary, we can’t just choose a large random number for p, </a:t>
+            </a:r>
+            <a:r>
+              <a:rPr lang="en-US"/>
+              <a:t>and simply </a:t>
+            </a:r>
+            <a:r>
+              <a:rPr lang="en-US" dirty="0"/>
+              <a:t>choose another number for </a:t>
+            </a:r>
+            <a:r>
+              <a:rPr lang="el-GR" dirty="0"/>
+              <a:t>α</a:t>
+            </a:r>
+            <a:r>
+              <a:rPr lang="en-US" dirty="0"/>
+              <a:t>.  It is important to be sure that our choice of </a:t>
+            </a:r>
+            <a:r>
+              <a:rPr lang="el-GR" dirty="0"/>
+              <a:t>α</a:t>
+            </a:r>
+            <a:r>
+              <a:rPr lang="en-US" dirty="0"/>
+              <a:t> does not generate a very small subgroup.</a:t>
+            </a:r>
+          </a:p>
+          <a:p>
+            <a:endParaRPr lang="en-US" dirty="0"/>
+          </a:p>
+          <a:p>
+            <a:r>
+              <a:rPr lang="en-US" dirty="0"/>
+              <a:t>“Safe” primes are discussed in </a:t>
+            </a:r>
+            <a:r>
+              <a:rPr lang="en-US" dirty="0">
+                <a:hlinkClick r:id="rId3"/>
+              </a:rPr>
+              <a:t>https://weakdh.org/imperfect-forward-secrecy-ccs15.pdf</a:t>
+            </a:r>
+            <a:endParaRPr lang="en-US" dirty="0"/>
+          </a:p>
+          <a:p>
+            <a:endParaRPr lang="en-US" dirty="0"/>
+          </a:p>
+          <a:p>
+            <a:r>
+              <a:rPr lang="en-US" dirty="0"/>
+              <a:t>The comment that p and </a:t>
+            </a:r>
+            <a:r>
+              <a:rPr lang="el-GR" dirty="0"/>
+              <a:t>α</a:t>
+            </a:r>
+            <a:r>
+              <a:rPr lang="en-US" dirty="0"/>
+              <a:t> should create a subgroup of at least 224 members comes from NIST.  See the chart in the next slide.</a:t>
+            </a:r>
+          </a:p>
+        </p:txBody>
+      </p:sp>
+      <p:sp>
+        <p:nvSpPr>
+          <p:cNvPr id="4" name="Slide Number Placeholder 3"/>
+          <p:cNvSpPr>
+            <a:spLocks noGrp="1"/>
+          </p:cNvSpPr>
+          <p:nvPr>
+            <p:ph type="sldNum" sz="quarter" idx="10"/>
+          </p:nvPr>
+        </p:nvSpPr>
+        <p:spPr/>
+        <p:txBody>
+          <a:bodyPr/>
+          <a:lstStyle/>
+          <a:p>
+            <a:fld id="{54EEBE6D-FDBB-42E0-BF1D-3002F37EFFCB}" type="slidenum">
+              <a:rPr lang="en-US" smtClean="0"/>
+              <a:t>14</a:t>
+            </a:fld>
+            <a:endParaRPr lang="en-US"/>
+          </a:p>
+        </p:txBody>
+      </p:sp>
+    </p:spTree>
+    <p:extLst>
+      <p:ext uri="{BB962C8B-B14F-4D97-AF65-F5344CB8AC3E}">
+        <p14:creationId xmlns:p14="http://schemas.microsoft.com/office/powerpoint/2010/main" val="969649809"/>
+      </p:ext>
+    </p:extLst>
+  </p:cSld>
+  <p:clrMapOvr>
+    <a:masterClrMapping/>
+  </p:clrMapOvr>
+</p:notes>
+</file>
+
+<file path=ppt/notesSlides/notesSlide15.xml><?xml version="1.0" encoding="utf-8"?>
+<p:notes xmlns:a="http://schemas.openxmlformats.org/drawingml/2006/main" xmlns:r="http://schemas.openxmlformats.org/officeDocument/2006/relationships" xmlns:p="http://schemas.openxmlformats.org/presentationml/2006/main">
+  <p:cSld>
+    <p:spTree>
+      <p:nvGrpSpPr>
+        <p:cNvPr id="1" name=""/>
+        <p:cNvGrpSpPr/>
+        <p:nvPr/>
+      </p:nvGrpSpPr>
+      <p:grpSpPr>
+        <a:xfrm>
+          <a:off x="0" y="0"/>
+          <a:ext cx="0" cy="0"/>
+          <a:chOff x="0" y="0"/>
+          <a:chExt cx="0" cy="0"/>
+        </a:xfrm>
+      </p:grpSpPr>
+      <p:sp>
+        <p:nvSpPr>
+          <p:cNvPr id="2" name="Slide Image Placeholder 1"/>
+          <p:cNvSpPr>
+            <a:spLocks noGrp="1" noRot="1" noChangeAspect="1"/>
+          </p:cNvSpPr>
+          <p:nvPr>
+            <p:ph type="sldImg"/>
+          </p:nvPr>
+        </p:nvSpPr>
+        <p:spPr/>
+      </p:sp>
+      <p:sp>
+        <p:nvSpPr>
+          <p:cNvPr id="3" name="Notes Placeholder 2"/>
+          <p:cNvSpPr>
+            <a:spLocks noGrp="1"/>
+          </p:cNvSpPr>
+          <p:nvPr>
+            <p:ph type="body" idx="1"/>
+          </p:nvPr>
+        </p:nvSpPr>
+        <p:spPr/>
+        <p:txBody>
+          <a:bodyPr/>
+          <a:lstStyle/>
+          <a:p>
+            <a:r>
+              <a:rPr lang="en-US" dirty="0"/>
               <a:t>This chart is from </a:t>
             </a:r>
             <a:r>
@@ -1334,7 +1439,7 @@
           <a:p>
             <a:fld id="{54EEBE6D-FDBB-42E0-BF1D-3002F37EFFCB}" type="slidenum">
               <a:rPr lang="en-US" smtClean="0"/>
-              <a:t>14</a:t>
+              <a:t>15</a:t>
             </a:fld>
             <a:endParaRPr lang="en-US"/>
           </a:p>
@@ -2413,15 +2518,23 @@
           <a:p>
             <a:r>
               <a:rPr lang="en-US" dirty="0"/>
-              <a:t>Note to self:  good info here, need to decide just where it should go, </a:t>
-            </a:r>
-            <a:r>
-              <a:rPr lang="en-US" dirty="0" err="1"/>
-              <a:t>tho</a:t>
-            </a:r>
-            <a:r>
-              <a:rPr lang="en-US" dirty="0"/>
-              <a:t>…</a:t>
+              <a:t>In this example, Alice and Bob use:</a:t>
+            </a:r>
+          </a:p>
+          <a:p>
+            <a:r>
+              <a:rPr lang="en-US" dirty="0"/>
+              <a:t>p	467</a:t>
+            </a:r>
+          </a:p>
+          <a:p>
+            <a:r>
+              <a:rPr lang="el-GR" dirty="0"/>
+              <a:t>α</a:t>
+            </a:r>
+            <a:r>
+              <a:rPr lang="en-US" dirty="0"/>
+              <a:t>	2</a:t>
             </a:r>
           </a:p>
           <a:p>
@@ -2430,7 +2543,108 @@
           <a:p>
             <a:r>
               <a:rPr lang="en-US" dirty="0"/>
-              <a:t>As of three years ago, RSA was the dominant algorithm by far for computing digital signatures.  However, it was used in only 39% of HTTPS key exchanges.  This number should be even smaller now, since TLS v1.3 forbids the use of RSA.  For the foreseeable future, expect HTTPS to be mostly the elliptic curve variant of DHKE.</a:t>
+              <a:t>Alice selects a = 400, and gives A to Bob</a:t>
+            </a:r>
+          </a:p>
+          <a:p>
+            <a:r>
+              <a:rPr lang="en-US" dirty="0"/>
+              <a:t>Select a	400</a:t>
+            </a:r>
+          </a:p>
+          <a:p>
+            <a:r>
+              <a:rPr lang="en-US" dirty="0"/>
+              <a:t>Compute A	137 	 A = 2</a:t>
+            </a:r>
+            <a:r>
+              <a:rPr lang="en-US" baseline="30000" dirty="0"/>
+              <a:t>400</a:t>
+            </a:r>
+            <a:r>
+              <a:rPr lang="en-US" dirty="0"/>
+              <a:t> mod 467</a:t>
+            </a:r>
+          </a:p>
+          <a:p>
+            <a:r>
+              <a:rPr lang="en-US" dirty="0"/>
+              <a:t>Give 137 to Bob</a:t>
+            </a:r>
+          </a:p>
+          <a:p>
+            <a:endParaRPr lang="en-US" dirty="0"/>
+          </a:p>
+          <a:p>
+            <a:r>
+              <a:rPr lang="en-US" dirty="0"/>
+              <a:t>Bob</a:t>
+            </a:r>
+          </a:p>
+          <a:p>
+            <a:r>
+              <a:rPr lang="en-US" dirty="0"/>
+              <a:t>Select b	134</a:t>
+            </a:r>
+          </a:p>
+          <a:p>
+            <a:r>
+              <a:rPr lang="en-US" dirty="0"/>
+              <a:t>Compute B 	84    	B = 2</a:t>
+            </a:r>
+            <a:r>
+              <a:rPr lang="en-US" baseline="30000" dirty="0"/>
+              <a:t>134</a:t>
+            </a:r>
+            <a:r>
+              <a:rPr lang="en-US" dirty="0"/>
+              <a:t> mod 467</a:t>
+            </a:r>
+          </a:p>
+          <a:p>
+            <a:r>
+              <a:rPr lang="en-US" dirty="0"/>
+              <a:t>Give 84 to Alice</a:t>
+            </a:r>
+          </a:p>
+          <a:p>
+            <a:endParaRPr lang="en-US" dirty="0"/>
+          </a:p>
+          <a:p>
+            <a:r>
+              <a:rPr lang="en-US" dirty="0"/>
+              <a:t>Alice computes key = 84</a:t>
+            </a:r>
+            <a:r>
+              <a:rPr lang="en-US" baseline="30000" dirty="0"/>
+              <a:t>400</a:t>
+            </a:r>
+            <a:r>
+              <a:rPr lang="en-US" dirty="0"/>
+              <a:t> mod p	90</a:t>
+            </a:r>
+          </a:p>
+          <a:p>
+            <a:r>
+              <a:rPr lang="en-US" dirty="0"/>
+              <a:t>Bob computes key = 137</a:t>
+            </a:r>
+            <a:r>
+              <a:rPr lang="en-US" baseline="30000" dirty="0"/>
+              <a:t>134</a:t>
+            </a:r>
+            <a:r>
+              <a:rPr lang="en-US" dirty="0"/>
+              <a:t> mod p	90</a:t>
+            </a:r>
+          </a:p>
+          <a:p>
+            <a:endParaRPr lang="en-US" dirty="0"/>
+          </a:p>
+          <a:p>
+            <a:r>
+              <a:rPr lang="en-US" dirty="0"/>
+              <a:t> Alice and Bob have the same shared key = 90</a:t>
             </a:r>
           </a:p>
         </p:txBody>
@@ -2461,7 +2675,7 @@
     </p:spTree>
     <p:extLst>
       <p:ext uri="{BB962C8B-B14F-4D97-AF65-F5344CB8AC3E}">
-        <p14:creationId xmlns:p14="http://schemas.microsoft.com/office/powerpoint/2010/main" val="198844325"/>
+        <p14:creationId xmlns:p14="http://schemas.microsoft.com/office/powerpoint/2010/main" val="2345400087"/>
       </p:ext>
     </p:extLst>
   </p:cSld>
@@ -2618,7 +2832,7 @@
           <a:p>
             <a:fld id="{FAD5841D-BCB9-45F1-AE12-EC4A780766DC}" type="datetimeFigureOut">
               <a:rPr lang="en-US" smtClean="0"/>
-              <a:t>11/25/2020</a:t>
+              <a:t>11/12/2021</a:t>
             </a:fld>
             <a:endParaRPr lang="en-US"/>
           </a:p>
@@ -2816,7 +3030,7 @@
           <a:p>
             <a:fld id="{FAD5841D-BCB9-45F1-AE12-EC4A780766DC}" type="datetimeFigureOut">
               <a:rPr lang="en-US" smtClean="0"/>
-              <a:t>11/25/2020</a:t>
+              <a:t>11/12/2021</a:t>
             </a:fld>
             <a:endParaRPr lang="en-US"/>
           </a:p>
@@ -3024,7 +3238,7 @@
           <a:p>
             <a:fld id="{FAD5841D-BCB9-45F1-AE12-EC4A780766DC}" type="datetimeFigureOut">
               <a:rPr lang="en-US" smtClean="0"/>
-              <a:t>11/25/2020</a:t>
+              <a:t>11/12/2021</a:t>
             </a:fld>
             <a:endParaRPr lang="en-US"/>
           </a:p>
@@ -3222,7 +3436,7 @@
           <a:p>
             <a:fld id="{FAD5841D-BCB9-45F1-AE12-EC4A780766DC}" type="datetimeFigureOut">
               <a:rPr lang="en-US" smtClean="0"/>
-              <a:t>11/25/2020</a:t>
+              <a:t>11/12/2021</a:t>
             </a:fld>
             <a:endParaRPr lang="en-US"/>
           </a:p>
@@ -3497,7 +3711,7 @@
           <a:p>
             <a:fld id="{FAD5841D-BCB9-45F1-AE12-EC4A780766DC}" type="datetimeFigureOut">
               <a:rPr lang="en-US" smtClean="0"/>
-              <a:t>11/25/2020</a:t>
+              <a:t>11/12/2021</a:t>
             </a:fld>
             <a:endParaRPr lang="en-US"/>
           </a:p>
@@ -3762,7 +3976,7 @@
           <a:p>
             <a:fld id="{FAD5841D-BCB9-45F1-AE12-EC4A780766DC}" type="datetimeFigureOut">
               <a:rPr lang="en-US" smtClean="0"/>
-              <a:t>11/25/2020</a:t>
+              <a:t>11/12/2021</a:t>
             </a:fld>
             <a:endParaRPr lang="en-US"/>
           </a:p>
@@ -4174,7 +4388,7 @@
           <a:p>
             <a:fld id="{FAD5841D-BCB9-45F1-AE12-EC4A780766DC}" type="datetimeFigureOut">
               <a:rPr lang="en-US" smtClean="0"/>
-              <a:t>11/25/2020</a:t>
+              <a:t>11/12/2021</a:t>
             </a:fld>
             <a:endParaRPr lang="en-US"/>
           </a:p>
@@ -4315,7 +4529,7 @@
           <a:p>
             <a:fld id="{FAD5841D-BCB9-45F1-AE12-EC4A780766DC}" type="datetimeFigureOut">
               <a:rPr lang="en-US" smtClean="0"/>
-              <a:t>11/25/2020</a:t>
+              <a:t>11/12/2021</a:t>
             </a:fld>
             <a:endParaRPr lang="en-US"/>
           </a:p>
@@ -4428,7 +4642,7 @@
           <a:p>
             <a:fld id="{FAD5841D-BCB9-45F1-AE12-EC4A780766DC}" type="datetimeFigureOut">
               <a:rPr lang="en-US" smtClean="0"/>
-              <a:t>11/25/2020</a:t>
+              <a:t>11/12/2021</a:t>
             </a:fld>
             <a:endParaRPr lang="en-US"/>
           </a:p>
@@ -4739,7 +4953,7 @@
           <a:p>
             <a:fld id="{FAD5841D-BCB9-45F1-AE12-EC4A780766DC}" type="datetimeFigureOut">
               <a:rPr lang="en-US" smtClean="0"/>
-              <a:t>11/25/2020</a:t>
+              <a:t>11/12/2021</a:t>
             </a:fld>
             <a:endParaRPr lang="en-US"/>
           </a:p>
@@ -5027,7 +5241,7 @@
           <a:p>
             <a:fld id="{FAD5841D-BCB9-45F1-AE12-EC4A780766DC}" type="datetimeFigureOut">
               <a:rPr lang="en-US" smtClean="0"/>
-              <a:t>11/25/2020</a:t>
+              <a:t>11/12/2021</a:t>
             </a:fld>
             <a:endParaRPr lang="en-US"/>
           </a:p>
@@ -5268,7 +5482,7 @@
           <a:p>
             <a:fld id="{FAD5841D-BCB9-45F1-AE12-EC4A780766DC}" type="datetimeFigureOut">
               <a:rPr lang="en-US" smtClean="0"/>
-              <a:t>11/25/2020</a:t>
+              <a:t>11/12/2021</a:t>
             </a:fld>
             <a:endParaRPr lang="en-US"/>
           </a:p>
@@ -5811,6 +6025,171 @@
           <p:cNvPr id="2" name="Title 1">
             <a:extLst>
               <a:ext uri="{FF2B5EF4-FFF2-40B4-BE49-F238E27FC236}">
+                <a16:creationId xmlns:a16="http://schemas.microsoft.com/office/drawing/2014/main" id="{3E7C6B8E-E0E4-445C-8BF1-A6DFEB5DEDB0}"/>
+              </a:ext>
+            </a:extLst>
+          </p:cNvPr>
+          <p:cNvSpPr>
+            <a:spLocks noGrp="1"/>
+          </p:cNvSpPr>
+          <p:nvPr>
+            <p:ph type="title"/>
+          </p:nvPr>
+        </p:nvSpPr>
+        <p:spPr/>
+        <p:txBody>
+          <a:bodyPr/>
+          <a:lstStyle/>
+          <a:p>
+            <a:r>
+              <a:rPr lang="en-US" dirty="0"/>
+              <a:t>Cryptography in Practice</a:t>
+            </a:r>
+          </a:p>
+        </p:txBody>
+      </p:sp>
+      <p:sp>
+        <p:nvSpPr>
+          <p:cNvPr id="3" name="Content Placeholder 2">
+            <a:extLst>
+              <a:ext uri="{FF2B5EF4-FFF2-40B4-BE49-F238E27FC236}">
+                <a16:creationId xmlns:a16="http://schemas.microsoft.com/office/drawing/2014/main" id="{549BE730-E71C-4E43-806A-B52BC781C349}"/>
+              </a:ext>
+            </a:extLst>
+          </p:cNvPr>
+          <p:cNvSpPr>
+            <a:spLocks noGrp="1"/>
+          </p:cNvSpPr>
+          <p:nvPr>
+            <p:ph idx="1"/>
+          </p:nvPr>
+        </p:nvSpPr>
+        <p:spPr>
+          <a:xfrm>
+            <a:off x="7628213" y="2523548"/>
+            <a:ext cx="4009938" cy="1612224"/>
+          </a:xfrm>
+        </p:spPr>
+        <p:txBody>
+          <a:bodyPr>
+            <a:normAutofit fontScale="62500" lnSpcReduction="20000"/>
+          </a:bodyPr>
+          <a:lstStyle/>
+          <a:p>
+            <a:pPr marL="0" indent="0">
+              <a:buNone/>
+            </a:pPr>
+            <a:r>
+              <a:rPr lang="en-US" dirty="0"/>
+              <a:t>Nadia </a:t>
+            </a:r>
+            <a:r>
+              <a:rPr lang="en-US" dirty="0" err="1"/>
+              <a:t>Heninger</a:t>
+            </a:r>
+            <a:r>
+              <a:rPr lang="en-US" dirty="0"/>
+              <a:t>, “The Reality of Cryptographic Deployments on the Internet”</a:t>
+            </a:r>
+          </a:p>
+          <a:p>
+            <a:pPr marL="0" indent="0">
+              <a:buNone/>
+            </a:pPr>
+            <a:r>
+              <a:rPr lang="en-US" dirty="0"/>
+              <a:t>ASIACRYPT 2016</a:t>
+            </a:r>
+          </a:p>
+          <a:p>
+            <a:pPr marL="0" indent="0">
+              <a:buNone/>
+            </a:pPr>
+            <a:r>
+              <a:rPr lang="en-US" u="sng" dirty="0">
+                <a:hlinkClick r:id="rId3"/>
+              </a:rPr>
+              <a:t>https://www.youtube.com/watch?v=hamXcmaF0ts</a:t>
+            </a:r>
+            <a:endParaRPr lang="en-US" dirty="0"/>
+          </a:p>
+          <a:p>
+            <a:pPr marL="0" indent="0">
+              <a:buNone/>
+            </a:pPr>
+            <a:endParaRPr lang="en-US" dirty="0"/>
+          </a:p>
+          <a:p>
+            <a:pPr marL="0" indent="0">
+              <a:buNone/>
+            </a:pPr>
+            <a:endParaRPr lang="en-US" sz="1000" dirty="0"/>
+          </a:p>
+        </p:txBody>
+      </p:sp>
+      <p:pic>
+        <p:nvPicPr>
+          <p:cNvPr id="4" name="Picture 3">
+            <a:extLst>
+              <a:ext uri="{FF2B5EF4-FFF2-40B4-BE49-F238E27FC236}">
+                <a16:creationId xmlns:a16="http://schemas.microsoft.com/office/drawing/2014/main" id="{5BEEAEFD-8A0F-4612-9C18-45C0027C4861}"/>
+              </a:ext>
+            </a:extLst>
+          </p:cNvPr>
+          <p:cNvPicPr/>
+          <p:nvPr/>
+        </p:nvPicPr>
+        <p:blipFill>
+          <a:blip r:embed="rId4"/>
+          <a:stretch>
+            <a:fillRect/>
+          </a:stretch>
+        </p:blipFill>
+        <p:spPr>
+          <a:xfrm>
+            <a:off x="958267" y="1577129"/>
+            <a:ext cx="6549879" cy="4580389"/>
+          </a:xfrm>
+          <a:prstGeom prst="rect">
+            <a:avLst/>
+          </a:prstGeom>
+        </p:spPr>
+      </p:pic>
+    </p:spTree>
+    <p:extLst>
+      <p:ext uri="{BB962C8B-B14F-4D97-AF65-F5344CB8AC3E}">
+        <p14:creationId xmlns:p14="http://schemas.microsoft.com/office/powerpoint/2010/main" val="3523080672"/>
+      </p:ext>
+    </p:extLst>
+  </p:cSld>
+  <p:clrMapOvr>
+    <a:masterClrMapping/>
+  </p:clrMapOvr>
+</p:sld>
+</file>
+
+<file path=ppt/slides/slide11.xml><?xml version="1.0" encoding="utf-8"?>
+<p:sld xmlns:a="http://schemas.openxmlformats.org/drawingml/2006/main" xmlns:r="http://schemas.openxmlformats.org/officeDocument/2006/relationships" xmlns:p="http://schemas.openxmlformats.org/presentationml/2006/main">
+  <p:cSld>
+    <p:spTree>
+      <p:nvGrpSpPr>
+        <p:cNvPr id="1" name=""/>
+        <p:cNvGrpSpPr/>
+        <p:nvPr/>
+      </p:nvGrpSpPr>
+      <p:grpSpPr>
+        <a:xfrm>
+          <a:off x="0" y="0"/>
+          <a:ext cx="0" cy="0"/>
+          <a:chOff x="0" y="0"/>
+          <a:chExt cx="0" cy="0"/>
+        </a:xfrm>
+      </p:grpSpPr>
+      <p:sp>
+        <p:nvSpPr>
+          <p:cNvPr id="2" name="Title 1">
+            <a:extLst>
+              <a:ext uri="{FF2B5EF4-FFF2-40B4-BE49-F238E27FC236}">
                 <a16:creationId xmlns:a16="http://schemas.microsoft.com/office/drawing/2014/main" id="{32FB5BEE-8F00-4A41-B85C-901A9CB037B2}"/>
               </a:ext>
             </a:extLst>
@@ -6085,7 +6464,7 @@
 </p:sld>
 </file>
 
-<file path=ppt/slides/slide11.xml><?xml version="1.0" encoding="utf-8"?>
+<file path=ppt/slides/slide12.xml><?xml version="1.0" encoding="utf-8"?>
 <p:sld xmlns:a="http://schemas.openxmlformats.org/drawingml/2006/main" xmlns:r="http://schemas.openxmlformats.org/officeDocument/2006/relationships" xmlns:p="http://schemas.openxmlformats.org/presentationml/2006/main">
   <p:cSld>
     <p:spTree>
@@ -6322,227 +6701,6 @@
 </p:sld>
 </file>
 
-<file path=ppt/slides/slide12.xml><?xml version="1.0" encoding="utf-8"?>
-<p:sld xmlns:a="http://schemas.openxmlformats.org/drawingml/2006/main" xmlns:r="http://schemas.openxmlformats.org/officeDocument/2006/relationships" xmlns:p="http://schemas.openxmlformats.org/presentationml/2006/main">
-  <p:cSld>
-    <p:spTree>
-      <p:nvGrpSpPr>
-        <p:cNvPr id="1" name=""/>
-        <p:cNvGrpSpPr/>
-        <p:nvPr/>
-      </p:nvGrpSpPr>
-      <p:grpSpPr>
-        <a:xfrm>
-          <a:off x="0" y="0"/>
-          <a:ext cx="0" cy="0"/>
-          <a:chOff x="0" y="0"/>
-          <a:chExt cx="0" cy="0"/>
-        </a:xfrm>
-      </p:grpSpPr>
-      <p:sp>
-        <p:nvSpPr>
-          <p:cNvPr id="2" name="Title 1">
-            <a:extLst>
-              <a:ext uri="{FF2B5EF4-FFF2-40B4-BE49-F238E27FC236}">
-                <a16:creationId xmlns:a16="http://schemas.microsoft.com/office/drawing/2014/main" id="{38168532-4BF6-472A-8713-C1B3073E32E2}"/>
-              </a:ext>
-            </a:extLst>
-          </p:cNvPr>
-          <p:cNvSpPr>
-            <a:spLocks noGrp="1"/>
-          </p:cNvSpPr>
-          <p:nvPr>
-            <p:ph type="title"/>
-          </p:nvPr>
-        </p:nvSpPr>
-        <p:spPr/>
-        <p:txBody>
-          <a:bodyPr/>
-          <a:lstStyle/>
-          <a:p>
-            <a:r>
-              <a:rPr lang="en-US" dirty="0"/>
-              <a:t>Subgroups in our example for p = 17</a:t>
-            </a:r>
-          </a:p>
-        </p:txBody>
-      </p:sp>
-      <p:sp>
-        <p:nvSpPr>
-          <p:cNvPr id="3" name="Content Placeholder 2">
-            <a:extLst>
-              <a:ext uri="{FF2B5EF4-FFF2-40B4-BE49-F238E27FC236}">
-                <a16:creationId xmlns:a16="http://schemas.microsoft.com/office/drawing/2014/main" id="{A5710A83-B022-485B-B2CD-7F2AD594C328}"/>
-              </a:ext>
-            </a:extLst>
-          </p:cNvPr>
-          <p:cNvSpPr>
-            <a:spLocks noGrp="1"/>
-          </p:cNvSpPr>
-          <p:nvPr>
-            <p:ph idx="1"/>
-          </p:nvPr>
-        </p:nvSpPr>
-        <p:spPr/>
-        <p:txBody>
-          <a:bodyPr>
-            <a:normAutofit/>
-          </a:bodyPr>
-          <a:lstStyle/>
-          <a:p>
-            <a:r>
-              <a:rPr lang="en-US" dirty="0"/>
-              <a:t>The main group is {1, 2, 3, …, 16}</a:t>
-            </a:r>
-          </a:p>
-          <a:p>
-            <a:pPr lvl="1"/>
-            <a:r>
-              <a:rPr lang="en-US" dirty="0"/>
-              <a:t>If we use any of {3, 5, 6, 7, 10, 11, 12, 14} for </a:t>
-            </a:r>
-            <a:r>
-              <a:rPr lang="el-GR" dirty="0"/>
-              <a:t>α</a:t>
-            </a:r>
-            <a:r>
-              <a:rPr lang="en-US" dirty="0"/>
-              <a:t>, </a:t>
-            </a:r>
-            <a:r>
-              <a:rPr lang="el-GR" dirty="0"/>
-              <a:t>α</a:t>
-            </a:r>
-            <a:r>
-              <a:rPr lang="en-US" baseline="30000" dirty="0"/>
-              <a:t>x </a:t>
-            </a:r>
-            <a:r>
-              <a:rPr lang="en-US" dirty="0"/>
-              <a:t>gives us the main group</a:t>
-            </a:r>
-          </a:p>
-          <a:p>
-            <a:pPr lvl="1"/>
-            <a:r>
-              <a:rPr lang="en-US" dirty="0"/>
-              <a:t>{3, 5, 6, 7, 10, 11, 12, 14} are called generators or primitive elements for the main group</a:t>
-            </a:r>
-          </a:p>
-          <a:p>
-            <a:r>
-              <a:rPr lang="en-US" dirty="0"/>
-              <a:t>The subgroup with 8 elements is { 1, 2, 4, 8, 9, 13,15, 16}</a:t>
-            </a:r>
-          </a:p>
-          <a:p>
-            <a:pPr lvl="1"/>
-            <a:r>
-              <a:rPr lang="en-US" dirty="0"/>
-              <a:t>If </a:t>
-            </a:r>
-            <a:r>
-              <a:rPr lang="el-GR" dirty="0"/>
-              <a:t>α</a:t>
-            </a:r>
-            <a:r>
-              <a:rPr lang="en-US" dirty="0"/>
-              <a:t> is in {2, 8, 9, 15} </a:t>
-            </a:r>
-            <a:r>
-              <a:rPr lang="el-GR" dirty="0"/>
-              <a:t>α</a:t>
-            </a:r>
-            <a:r>
-              <a:rPr lang="en-US" baseline="30000" dirty="0"/>
-              <a:t>x</a:t>
-            </a:r>
-            <a:r>
-              <a:rPr lang="en-US" dirty="0"/>
-              <a:t> is in this subgroup. {2, 8, 9, 15} are primitive elements</a:t>
-            </a:r>
-          </a:p>
-          <a:p>
-            <a:r>
-              <a:rPr lang="en-US" dirty="0"/>
-              <a:t>The subgroup with 4 elements is {1, 4, 13, 16} </a:t>
-            </a:r>
-          </a:p>
-          <a:p>
-            <a:pPr lvl="1"/>
-            <a:r>
-              <a:rPr lang="en-US" dirty="0"/>
-              <a:t>If </a:t>
-            </a:r>
-            <a:r>
-              <a:rPr lang="el-GR" dirty="0"/>
-              <a:t>α</a:t>
-            </a:r>
-            <a:r>
-              <a:rPr lang="en-US" dirty="0"/>
-              <a:t> is in {4, 13} </a:t>
-            </a:r>
-            <a:r>
-              <a:rPr lang="el-GR" dirty="0"/>
-              <a:t>α</a:t>
-            </a:r>
-            <a:r>
-              <a:rPr lang="en-US" baseline="30000" dirty="0"/>
-              <a:t>x</a:t>
-            </a:r>
-            <a:r>
-              <a:rPr lang="en-US" dirty="0"/>
-              <a:t> is in this subgroup. {4, 13} are primitive elements</a:t>
-            </a:r>
-          </a:p>
-          <a:p>
-            <a:r>
-              <a:rPr lang="en-US" dirty="0"/>
-              <a:t>The subgroup with 2 elements is {1, 16}</a:t>
-            </a:r>
-          </a:p>
-          <a:p>
-            <a:pPr lvl="1"/>
-            <a:r>
-              <a:rPr lang="en-US" dirty="0"/>
-              <a:t>If </a:t>
-            </a:r>
-            <a:r>
-              <a:rPr lang="el-GR" dirty="0"/>
-              <a:t>α</a:t>
-            </a:r>
-            <a:r>
-              <a:rPr lang="en-US" dirty="0"/>
-              <a:t> is in {16} </a:t>
-            </a:r>
-            <a:r>
-              <a:rPr lang="el-GR" dirty="0"/>
-              <a:t>α</a:t>
-            </a:r>
-            <a:r>
-              <a:rPr lang="en-US" baseline="30000" dirty="0"/>
-              <a:t>x</a:t>
-            </a:r>
-            <a:r>
-              <a:rPr lang="en-US" dirty="0"/>
-              <a:t> is in this subgroup.  16 is the primitive element</a:t>
-            </a:r>
-          </a:p>
-        </p:txBody>
-      </p:sp>
-    </p:spTree>
-    <p:extLst>
-      <p:ext uri="{BB962C8B-B14F-4D97-AF65-F5344CB8AC3E}">
-        <p14:creationId xmlns:p14="http://schemas.microsoft.com/office/powerpoint/2010/main" val="1443465407"/>
-      </p:ext>
-    </p:extLst>
-  </p:cSld>
-  <p:clrMapOvr>
-    <a:masterClrMapping/>
-  </p:clrMapOvr>
-</p:sld>
-</file>
-
 <file path=ppt/slides/slide13.xml><?xml version="1.0" encoding="utf-8"?>
 <p:sld xmlns:a="http://schemas.openxmlformats.org/drawingml/2006/main" xmlns:r="http://schemas.openxmlformats.org/officeDocument/2006/relationships" xmlns:p="http://schemas.openxmlformats.org/presentationml/2006/main">
   <p:cSld>
@@ -6565,7 +6723,7 @@
           <p:cNvPr id="2" name="Title 1">
             <a:extLst>
               <a:ext uri="{FF2B5EF4-FFF2-40B4-BE49-F238E27FC236}">
-                <a16:creationId xmlns:a16="http://schemas.microsoft.com/office/drawing/2014/main" id="{041C84EE-BC80-4306-B6C5-EFF37F76022B}"/>
+                <a16:creationId xmlns:a16="http://schemas.microsoft.com/office/drawing/2014/main" id="{38168532-4BF6-472A-8713-C1B3073E32E2}"/>
               </a:ext>
             </a:extLst>
           </p:cNvPr>
@@ -6583,7 +6741,7 @@
           <a:p>
             <a:r>
               <a:rPr lang="en-US" dirty="0"/>
-              <a:t>Ramifications of Subgroups</a:t>
+              <a:t>Subgroups in our example for p = 17</a:t>
             </a:r>
           </a:p>
         </p:txBody>
@@ -6593,7 +6751,7 @@
           <p:cNvPr id="3" name="Content Placeholder 2">
             <a:extLst>
               <a:ext uri="{FF2B5EF4-FFF2-40B4-BE49-F238E27FC236}">
-                <a16:creationId xmlns:a16="http://schemas.microsoft.com/office/drawing/2014/main" id="{A3FFD39C-0C1D-4B8A-B2EC-7504F085D482}"/>
+                <a16:creationId xmlns:a16="http://schemas.microsoft.com/office/drawing/2014/main" id="{A5710A83-B022-485B-B2CD-7F2AD594C328}"/>
               </a:ext>
             </a:extLst>
           </p:cNvPr>
@@ -6607,13 +6765,20 @@
         <p:spPr/>
         <p:txBody>
           <a:bodyPr>
-            <a:normAutofit lnSpcReduction="10000"/>
+            <a:normAutofit/>
           </a:bodyPr>
           <a:lstStyle/>
           <a:p>
             <a:r>
               <a:rPr lang="en-US" dirty="0"/>
-              <a:t>In Diffie-Hellman key exchange, if we pick an </a:t>
+              <a:t>The main group is {1, 2, 3, …, 16}</a:t>
+            </a:r>
+          </a:p>
+          <a:p>
+            <a:pPr lvl="1"/>
+            <a:r>
+              <a:rPr lang="en-US" dirty="0"/>
+              <a:t>If we use any of {3, 5, 6, 7, 10, 11, 12, 14} for </a:t>
             </a:r>
             <a:r>
               <a:rPr lang="el-GR" dirty="0"/>
@@ -6621,7 +6786,7 @@
             </a:r>
             <a:r>
               <a:rPr lang="en-US" dirty="0"/>
-              <a:t> that is a primitive element of  a subgroup, </a:t>
+              <a:t>, </a:t>
             </a:r>
             <a:r>
               <a:rPr lang="el-GR" dirty="0"/>
@@ -6629,85 +6794,64 @@
             </a:r>
             <a:r>
               <a:rPr lang="en-US" baseline="30000" dirty="0"/>
-              <a:t>a</a:t>
-            </a:r>
-            <a:r>
-              <a:rPr lang="en-US" dirty="0"/>
-              <a:t> will always be an element of that subgroup.</a:t>
-            </a:r>
-          </a:p>
-          <a:p>
-            <a:r>
-              <a:rPr lang="en-US" dirty="0"/>
-              <a:t>Possible values of </a:t>
+              <a:t>x </a:t>
+            </a:r>
+            <a:r>
+              <a:rPr lang="en-US" dirty="0"/>
+              <a:t>gives us the main group</a:t>
+            </a:r>
+          </a:p>
+          <a:p>
+            <a:pPr lvl="1"/>
+            <a:r>
+              <a:rPr lang="en-US" dirty="0"/>
+              <a:t>{3, 5, 6, 7, 10, 11, 12, 14} are called generators or primitive elements for the main group</a:t>
+            </a:r>
+          </a:p>
+          <a:p>
+            <a:r>
+              <a:rPr lang="en-US" dirty="0"/>
+              <a:t>The subgroup with 8 elements is { 1, 2, 4, 8, 9, 13,15, 16}</a:t>
+            </a:r>
+          </a:p>
+          <a:p>
+            <a:pPr lvl="1"/>
+            <a:r>
+              <a:rPr lang="en-US" dirty="0"/>
+              <a:t>If </a:t>
             </a:r>
             <a:r>
               <a:rPr lang="el-GR" dirty="0"/>
               <a:t>α</a:t>
             </a:r>
             <a:r>
-              <a:rPr lang="en-US" baseline="30000" dirty="0"/>
-              <a:t>a</a:t>
-            </a:r>
-            <a:r>
-              <a:rPr lang="en-US" dirty="0"/>
-              <a:t> will be reduced</a:t>
-            </a:r>
-          </a:p>
-          <a:p>
-            <a:pPr lvl="1"/>
-            <a:r>
-              <a:rPr lang="en-US" dirty="0"/>
-              <a:t>Instead of p-1 possibilities, they are restricted to the size of the subgroup</a:t>
-            </a:r>
-          </a:p>
-          <a:p>
-            <a:pPr lvl="1"/>
-            <a:r>
-              <a:rPr lang="en-US" dirty="0"/>
-              <a:t>Security is lessened</a:t>
-            </a:r>
-          </a:p>
-          <a:p>
-            <a:r>
-              <a:rPr lang="en-US" dirty="0"/>
-              <a:t>Two ways of dealing with this</a:t>
-            </a:r>
-          </a:p>
-          <a:p>
-            <a:pPr lvl="1"/>
-            <a:r>
-              <a:rPr lang="en-US" dirty="0"/>
-              <a:t>Pick a “safe” number for p, where (p - 1)/2 is also prime</a:t>
-            </a:r>
-          </a:p>
-          <a:p>
-            <a:pPr lvl="2"/>
-            <a:r>
-              <a:rPr lang="en-US" dirty="0"/>
-              <a:t>Smallest usable subgroup is large, size is (p - 1)/2 – 1</a:t>
-            </a:r>
-          </a:p>
-          <a:p>
-            <a:pPr lvl="2"/>
-            <a:r>
-              <a:rPr lang="en-US" dirty="0"/>
-              <a:t>(we can easily avoid the subgroups with 1 or 2 elements)</a:t>
-            </a:r>
-          </a:p>
-          <a:p>
-            <a:pPr lvl="1"/>
-            <a:r>
-              <a:rPr lang="en-US" dirty="0"/>
-              <a:t>Pick p and </a:t>
+              <a:rPr lang="en-US" dirty="0"/>
+              <a:t> is in {2, 8, 9, 15} </a:t>
             </a:r>
             <a:r>
               <a:rPr lang="el-GR" dirty="0"/>
               <a:t>α</a:t>
             </a:r>
             <a:r>
-              <a:rPr lang="en-US" dirty="0"/>
-              <a:t> so that </a:t>
+              <a:rPr lang="en-US" baseline="30000" dirty="0"/>
+              <a:t>x</a:t>
+            </a:r>
+            <a:r>
+              <a:rPr lang="en-US" dirty="0"/>
+              <a:t> is in this subgroup. {2, 8, 9, 15} are primitive elements</a:t>
+            </a:r>
+          </a:p>
+          <a:p>
+            <a:r>
+              <a:rPr lang="en-US" dirty="0"/>
+              <a:t>The subgroup with 4 elements is {1, 4, 13, 16} </a:t>
+            </a:r>
+          </a:p>
+          <a:p>
+            <a:pPr lvl="1"/>
+            <a:r>
+              <a:rPr lang="en-US" dirty="0"/>
+              <a:t>If </a:t>
             </a:r>
             <a:r>
               <a:rPr lang="el-GR" dirty="0"/>
@@ -6715,7 +6859,52 @@
             </a:r>
             <a:r>
               <a:rPr lang="en-US" dirty="0"/>
-              <a:t> generates a subgroup of at least 224 members</a:t>
+              <a:t> is in {4, 13} </a:t>
+            </a:r>
+            <a:r>
+              <a:rPr lang="el-GR" dirty="0"/>
+              <a:t>α</a:t>
+            </a:r>
+            <a:r>
+              <a:rPr lang="en-US" baseline="30000" dirty="0"/>
+              <a:t>x</a:t>
+            </a:r>
+            <a:r>
+              <a:rPr lang="en-US" dirty="0"/>
+              <a:t> is in this subgroup. {4, 13} are primitive elements</a:t>
+            </a:r>
+          </a:p>
+          <a:p>
+            <a:r>
+              <a:rPr lang="en-US" dirty="0"/>
+              <a:t>The subgroup with 2 elements is {1, 16}</a:t>
+            </a:r>
+          </a:p>
+          <a:p>
+            <a:pPr lvl="1"/>
+            <a:r>
+              <a:rPr lang="en-US" dirty="0"/>
+              <a:t>If </a:t>
+            </a:r>
+            <a:r>
+              <a:rPr lang="el-GR" dirty="0"/>
+              <a:t>α</a:t>
+            </a:r>
+            <a:r>
+              <a:rPr lang="en-US" dirty="0"/>
+              <a:t> is in {16} </a:t>
+            </a:r>
+            <a:r>
+              <a:rPr lang="el-GR" dirty="0"/>
+              <a:t>α</a:t>
+            </a:r>
+            <a:r>
+              <a:rPr lang="en-US" baseline="30000" dirty="0"/>
+              <a:t>x</a:t>
+            </a:r>
+            <a:r>
+              <a:rPr lang="en-US" dirty="0"/>
+              <a:t> is in this subgroup.  16 is the primitive element</a:t>
             </a:r>
           </a:p>
         </p:txBody>
@@ -6723,7 +6912,7 @@
     </p:spTree>
     <p:extLst>
       <p:ext uri="{BB962C8B-B14F-4D97-AF65-F5344CB8AC3E}">
-        <p14:creationId xmlns:p14="http://schemas.microsoft.com/office/powerpoint/2010/main" val="3923920557"/>
+        <p14:creationId xmlns:p14="http://schemas.microsoft.com/office/powerpoint/2010/main" val="1443465407"/>
       </p:ext>
     </p:extLst>
   </p:cSld>
@@ -6755,6 +6944,196 @@
           <p:cNvPr id="2" name="Title 1">
             <a:extLst>
               <a:ext uri="{FF2B5EF4-FFF2-40B4-BE49-F238E27FC236}">
+                <a16:creationId xmlns:a16="http://schemas.microsoft.com/office/drawing/2014/main" id="{041C84EE-BC80-4306-B6C5-EFF37F76022B}"/>
+              </a:ext>
+            </a:extLst>
+          </p:cNvPr>
+          <p:cNvSpPr>
+            <a:spLocks noGrp="1"/>
+          </p:cNvSpPr>
+          <p:nvPr>
+            <p:ph type="title"/>
+          </p:nvPr>
+        </p:nvSpPr>
+        <p:spPr/>
+        <p:txBody>
+          <a:bodyPr/>
+          <a:lstStyle/>
+          <a:p>
+            <a:r>
+              <a:rPr lang="en-US" dirty="0"/>
+              <a:t>Ramifications of Subgroups</a:t>
+            </a:r>
+          </a:p>
+        </p:txBody>
+      </p:sp>
+      <p:sp>
+        <p:nvSpPr>
+          <p:cNvPr id="3" name="Content Placeholder 2">
+            <a:extLst>
+              <a:ext uri="{FF2B5EF4-FFF2-40B4-BE49-F238E27FC236}">
+                <a16:creationId xmlns:a16="http://schemas.microsoft.com/office/drawing/2014/main" id="{A3FFD39C-0C1D-4B8A-B2EC-7504F085D482}"/>
+              </a:ext>
+            </a:extLst>
+          </p:cNvPr>
+          <p:cNvSpPr>
+            <a:spLocks noGrp="1"/>
+          </p:cNvSpPr>
+          <p:nvPr>
+            <p:ph idx="1"/>
+          </p:nvPr>
+        </p:nvSpPr>
+        <p:spPr/>
+        <p:txBody>
+          <a:bodyPr>
+            <a:normAutofit lnSpcReduction="10000"/>
+          </a:bodyPr>
+          <a:lstStyle/>
+          <a:p>
+            <a:r>
+              <a:rPr lang="en-US" dirty="0"/>
+              <a:t>In Diffie-Hellman key exchange, if we pick an </a:t>
+            </a:r>
+            <a:r>
+              <a:rPr lang="el-GR" dirty="0"/>
+              <a:t>α</a:t>
+            </a:r>
+            <a:r>
+              <a:rPr lang="en-US" dirty="0"/>
+              <a:t> that is a primitive element of  a subgroup, </a:t>
+            </a:r>
+            <a:r>
+              <a:rPr lang="el-GR" dirty="0"/>
+              <a:t>α</a:t>
+            </a:r>
+            <a:r>
+              <a:rPr lang="en-US" baseline="30000" dirty="0"/>
+              <a:t>a</a:t>
+            </a:r>
+            <a:r>
+              <a:rPr lang="en-US" dirty="0"/>
+              <a:t> will always be an element of that subgroup.</a:t>
+            </a:r>
+          </a:p>
+          <a:p>
+            <a:r>
+              <a:rPr lang="en-US" dirty="0"/>
+              <a:t>Possible values of </a:t>
+            </a:r>
+            <a:r>
+              <a:rPr lang="el-GR" dirty="0"/>
+              <a:t>α</a:t>
+            </a:r>
+            <a:r>
+              <a:rPr lang="en-US" baseline="30000" dirty="0"/>
+              <a:t>a</a:t>
+            </a:r>
+            <a:r>
+              <a:rPr lang="en-US" dirty="0"/>
+              <a:t> will be reduced</a:t>
+            </a:r>
+          </a:p>
+          <a:p>
+            <a:pPr lvl="1"/>
+            <a:r>
+              <a:rPr lang="en-US" dirty="0"/>
+              <a:t>Instead of p-1 possibilities, they are restricted to the size of the subgroup</a:t>
+            </a:r>
+          </a:p>
+          <a:p>
+            <a:pPr lvl="1"/>
+            <a:r>
+              <a:rPr lang="en-US" dirty="0"/>
+              <a:t>Security is lessened</a:t>
+            </a:r>
+          </a:p>
+          <a:p>
+            <a:r>
+              <a:rPr lang="en-US" dirty="0"/>
+              <a:t>Two ways of dealing with this</a:t>
+            </a:r>
+          </a:p>
+          <a:p>
+            <a:pPr lvl="1"/>
+            <a:r>
+              <a:rPr lang="en-US" dirty="0"/>
+              <a:t>Pick a “safe” number for p, where (p - 1)/2 is also prime</a:t>
+            </a:r>
+          </a:p>
+          <a:p>
+            <a:pPr lvl="2"/>
+            <a:r>
+              <a:rPr lang="en-US" dirty="0"/>
+              <a:t>Smallest usable subgroup is large, size is (p - 1)/2 – 1</a:t>
+            </a:r>
+          </a:p>
+          <a:p>
+            <a:pPr lvl="2"/>
+            <a:r>
+              <a:rPr lang="en-US" dirty="0"/>
+              <a:t>(we can easily avoid the subgroups with 1 or 2 elements)</a:t>
+            </a:r>
+          </a:p>
+          <a:p>
+            <a:pPr lvl="1"/>
+            <a:r>
+              <a:rPr lang="en-US" dirty="0"/>
+              <a:t>Pick p and </a:t>
+            </a:r>
+            <a:r>
+              <a:rPr lang="el-GR" dirty="0"/>
+              <a:t>α</a:t>
+            </a:r>
+            <a:r>
+              <a:rPr lang="en-US" dirty="0"/>
+              <a:t> so that </a:t>
+            </a:r>
+            <a:r>
+              <a:rPr lang="el-GR" dirty="0"/>
+              <a:t>α</a:t>
+            </a:r>
+            <a:r>
+              <a:rPr lang="en-US" dirty="0"/>
+              <a:t> generates a subgroup of at least 224 members</a:t>
+            </a:r>
+          </a:p>
+        </p:txBody>
+      </p:sp>
+    </p:spTree>
+    <p:extLst>
+      <p:ext uri="{BB962C8B-B14F-4D97-AF65-F5344CB8AC3E}">
+        <p14:creationId xmlns:p14="http://schemas.microsoft.com/office/powerpoint/2010/main" val="3923920557"/>
+      </p:ext>
+    </p:extLst>
+  </p:cSld>
+  <p:clrMapOvr>
+    <a:masterClrMapping/>
+  </p:clrMapOvr>
+</p:sld>
+</file>
+
+<file path=ppt/slides/slide15.xml><?xml version="1.0" encoding="utf-8"?>
+<p:sld xmlns:a="http://schemas.openxmlformats.org/drawingml/2006/main" xmlns:r="http://schemas.openxmlformats.org/officeDocument/2006/relationships" xmlns:p="http://schemas.openxmlformats.org/presentationml/2006/main">
+  <p:cSld>
+    <p:spTree>
+      <p:nvGrpSpPr>
+        <p:cNvPr id="1" name=""/>
+        <p:cNvGrpSpPr/>
+        <p:nvPr/>
+      </p:nvGrpSpPr>
+      <p:grpSpPr>
+        <a:xfrm>
+          <a:off x="0" y="0"/>
+          <a:ext cx="0" cy="0"/>
+          <a:chOff x="0" y="0"/>
+          <a:chExt cx="0" cy="0"/>
+        </a:xfrm>
+      </p:grpSpPr>
+      <p:sp>
+        <p:nvSpPr>
+          <p:cNvPr id="2" name="Title 1">
+            <a:extLst>
+              <a:ext uri="{FF2B5EF4-FFF2-40B4-BE49-F238E27FC236}">
                 <a16:creationId xmlns:a16="http://schemas.microsoft.com/office/drawing/2014/main" id="{F3C1A506-50B3-480D-AA05-ECC868FEBEAB}"/>
               </a:ext>
             </a:extLst>
@@ -6861,7 +7240,15 @@
           <a:p>
             <a:r>
               <a:rPr lang="en-US" dirty="0"/>
-              <a:t>It specifies a minimum subgroup size of 224 for a key length (p) of 2048 bits</a:t>
+              <a:t>It specifies a minimum subgroup size </a:t>
+            </a:r>
+            <a:r>
+              <a:rPr lang="en-US"/>
+              <a:t>of 224 bits </a:t>
+            </a:r>
+            <a:r>
+              <a:rPr lang="en-US" dirty="0"/>
+              <a:t>for a key length (p) of 2048 bits</a:t>
             </a:r>
           </a:p>
           <a:p>
@@ -9600,121 +9987,581 @@
       </p:grpSpPr>
       <p:sp>
         <p:nvSpPr>
-          <p:cNvPr id="2" name="Title 1">
-            <a:extLst>
-              <a:ext uri="{FF2B5EF4-FFF2-40B4-BE49-F238E27FC236}">
-                <a16:creationId xmlns:a16="http://schemas.microsoft.com/office/drawing/2014/main" id="{3E7C6B8E-E0E4-445C-8BF1-A6DFEB5DEDB0}"/>
-              </a:ext>
-            </a:extLst>
-          </p:cNvPr>
-          <p:cNvSpPr>
-            <a:spLocks noGrp="1"/>
-          </p:cNvSpPr>
-          <p:nvPr>
-            <p:ph type="title"/>
-          </p:nvPr>
-        </p:nvSpPr>
-        <p:spPr/>
-        <p:txBody>
-          <a:bodyPr/>
-          <a:lstStyle/>
-          <a:p>
-            <a:r>
-              <a:rPr lang="en-US" dirty="0"/>
-              <a:t>Cryptography in Practice</a:t>
-            </a:r>
-          </a:p>
-        </p:txBody>
-      </p:sp>
-      <p:sp>
-        <p:nvSpPr>
-          <p:cNvPr id="3" name="Content Placeholder 2">
-            <a:extLst>
-              <a:ext uri="{FF2B5EF4-FFF2-40B4-BE49-F238E27FC236}">
-                <a16:creationId xmlns:a16="http://schemas.microsoft.com/office/drawing/2014/main" id="{549BE730-E71C-4E43-806A-B52BC781C349}"/>
-              </a:ext>
-            </a:extLst>
-          </p:cNvPr>
-          <p:cNvSpPr>
-            <a:spLocks noGrp="1"/>
-          </p:cNvSpPr>
-          <p:nvPr>
-            <p:ph idx="1"/>
-          </p:nvPr>
+          <p:cNvPr id="6" name="TextBox 5">
+            <a:extLst>
+              <a:ext uri="{FF2B5EF4-FFF2-40B4-BE49-F238E27FC236}">
+                <a16:creationId xmlns:a16="http://schemas.microsoft.com/office/drawing/2014/main" id="{C02B75D3-59B7-494C-867F-3F7667B3CE81}"/>
+              </a:ext>
+            </a:extLst>
+          </p:cNvPr>
+          <p:cNvSpPr txBox="1"/>
+          <p:nvPr/>
         </p:nvSpPr>
         <p:spPr>
           <a:xfrm>
-            <a:off x="7628213" y="2523548"/>
-            <a:ext cx="4009938" cy="1612224"/>
+            <a:off x="7695501" y="991515"/>
+            <a:ext cx="2416029" cy="923330"/>
           </a:xfrm>
+          <a:prstGeom prst="rect">
+            <a:avLst/>
+          </a:prstGeom>
+          <a:noFill/>
+          <a:ln w="38100">
+            <a:solidFill>
+              <a:schemeClr val="accent1"/>
+            </a:solidFill>
+          </a:ln>
         </p:spPr>
         <p:txBody>
-          <a:bodyPr>
-            <a:normAutofit fontScale="62500" lnSpcReduction="20000"/>
+          <a:bodyPr wrap="square" rtlCol="0">
+            <a:spAutoFit/>
           </a:bodyPr>
           <a:lstStyle/>
           <a:p>
-            <a:pPr marL="0" indent="0">
-              <a:buNone/>
-            </a:pPr>
-            <a:r>
-              <a:rPr lang="en-US" dirty="0"/>
-              <a:t>Nadia </a:t>
-            </a:r>
-            <a:r>
-              <a:rPr lang="en-US" dirty="0" err="1"/>
-              <a:t>Heninger</a:t>
-            </a:r>
-            <a:r>
-              <a:rPr lang="en-US" dirty="0"/>
-              <a:t>, “The Reality of Cryptographic Deployments on the Internet”</a:t>
-            </a:r>
-          </a:p>
-          <a:p>
-            <a:pPr marL="0" indent="0">
-              <a:buNone/>
-            </a:pPr>
-            <a:r>
-              <a:rPr lang="en-US" dirty="0"/>
-              <a:t>ASIACRYPT 2016</a:t>
-            </a:r>
-          </a:p>
-          <a:p>
-            <a:pPr marL="0" indent="0">
-              <a:buNone/>
-            </a:pPr>
-            <a:r>
-              <a:rPr lang="en-US" u="sng" dirty="0">
-                <a:hlinkClick r:id="rId3"/>
-              </a:rPr>
-              <a:t>https://www.youtube.com/watch?v=hamXcmaF0ts</a:t>
-            </a:r>
+            <a:r>
+              <a:rPr lang="en-US" dirty="0"/>
+              <a:t>Bob secret</a:t>
+            </a:r>
+          </a:p>
+          <a:p>
             <a:endParaRPr lang="en-US" dirty="0"/>
           </a:p>
           <a:p>
-            <a:pPr marL="0" indent="0">
-              <a:buNone/>
-            </a:pPr>
+            <a:r>
+              <a:rPr lang="en-US" dirty="0"/>
+              <a:t>b = 134</a:t>
+            </a:r>
+          </a:p>
+        </p:txBody>
+      </p:sp>
+      <p:sp>
+        <p:nvSpPr>
+          <p:cNvPr id="7" name="TextBox 6">
+            <a:extLst>
+              <a:ext uri="{FF2B5EF4-FFF2-40B4-BE49-F238E27FC236}">
+                <a16:creationId xmlns:a16="http://schemas.microsoft.com/office/drawing/2014/main" id="{03207500-1204-48BF-B944-5AB395A9664F}"/>
+              </a:ext>
+            </a:extLst>
+          </p:cNvPr>
+          <p:cNvSpPr txBox="1"/>
+          <p:nvPr/>
+        </p:nvSpPr>
+        <p:spPr>
+          <a:xfrm>
+            <a:off x="4875402" y="622183"/>
+            <a:ext cx="2416029" cy="1754326"/>
+          </a:xfrm>
+          <a:prstGeom prst="rect">
+            <a:avLst/>
+          </a:prstGeom>
+          <a:noFill/>
+          <a:ln w="38100">
+            <a:solidFill>
+              <a:schemeClr val="accent1"/>
+            </a:solidFill>
+          </a:ln>
+        </p:spPr>
+        <p:txBody>
+          <a:bodyPr wrap="square" rtlCol="0">
+            <a:spAutoFit/>
+          </a:bodyPr>
+          <a:lstStyle/>
+          <a:p>
+            <a:r>
+              <a:rPr lang="en-US" dirty="0"/>
+              <a:t>Public</a:t>
+            </a:r>
+          </a:p>
+          <a:p>
+            <a:r>
+              <a:rPr lang="en-US" dirty="0"/>
+              <a:t>p = 467</a:t>
+            </a:r>
+          </a:p>
+          <a:p>
+            <a:r>
+              <a:rPr lang="el-GR" dirty="0"/>
+              <a:t>α</a:t>
+            </a:r>
+            <a:r>
+              <a:rPr lang="en-US" dirty="0"/>
+              <a:t> = 2</a:t>
+            </a:r>
+          </a:p>
+          <a:p>
             <a:endParaRPr lang="en-US" dirty="0"/>
           </a:p>
           <a:p>
-            <a:pPr marL="0" indent="0">
-              <a:buNone/>
-            </a:pPr>
-            <a:endParaRPr lang="en-US" sz="1000" dirty="0"/>
-          </a:p>
-        </p:txBody>
-      </p:sp>
+            <a:r>
+              <a:rPr lang="en-US" dirty="0"/>
+              <a:t>A = 137	B = 84</a:t>
+            </a:r>
+          </a:p>
+          <a:p>
+            <a:endParaRPr lang="en-US" dirty="0"/>
+          </a:p>
+        </p:txBody>
+      </p:sp>
+      <p:sp>
+        <p:nvSpPr>
+          <p:cNvPr id="8" name="TextBox 7">
+            <a:extLst>
+              <a:ext uri="{FF2B5EF4-FFF2-40B4-BE49-F238E27FC236}">
+                <a16:creationId xmlns:a16="http://schemas.microsoft.com/office/drawing/2014/main" id="{6569DC12-AD96-458E-B58C-E330F71031DB}"/>
+              </a:ext>
+            </a:extLst>
+          </p:cNvPr>
+          <p:cNvSpPr txBox="1"/>
+          <p:nvPr/>
+        </p:nvSpPr>
+        <p:spPr>
+          <a:xfrm>
+            <a:off x="2304177" y="991515"/>
+            <a:ext cx="2167155" cy="923330"/>
+          </a:xfrm>
+          <a:prstGeom prst="rect">
+            <a:avLst/>
+          </a:prstGeom>
+          <a:noFill/>
+          <a:ln w="38100">
+            <a:solidFill>
+              <a:schemeClr val="accent1"/>
+            </a:solidFill>
+          </a:ln>
+        </p:spPr>
+        <p:txBody>
+          <a:bodyPr wrap="square" rtlCol="0">
+            <a:spAutoFit/>
+          </a:bodyPr>
+          <a:lstStyle/>
+          <a:p>
+            <a:r>
+              <a:rPr lang="en-US" dirty="0"/>
+              <a:t>Alice Secret</a:t>
+            </a:r>
+          </a:p>
+          <a:p>
+            <a:endParaRPr lang="en-US" dirty="0"/>
+          </a:p>
+          <a:p>
+            <a:r>
+              <a:rPr lang="en-US" dirty="0"/>
+              <a:t>a = 400</a:t>
+            </a:r>
+          </a:p>
+        </p:txBody>
+      </p:sp>
+      <p:sp>
+        <p:nvSpPr>
+          <p:cNvPr id="10" name="TextBox 9">
+            <a:extLst>
+              <a:ext uri="{FF2B5EF4-FFF2-40B4-BE49-F238E27FC236}">
+                <a16:creationId xmlns:a16="http://schemas.microsoft.com/office/drawing/2014/main" id="{C759404B-7E5D-49F9-BDA8-569C01B0F3ED}"/>
+              </a:ext>
+            </a:extLst>
+          </p:cNvPr>
+          <p:cNvSpPr txBox="1"/>
+          <p:nvPr/>
+        </p:nvSpPr>
+        <p:spPr>
+          <a:xfrm>
+            <a:off x="7819937" y="2150594"/>
+            <a:ext cx="2416029" cy="646331"/>
+          </a:xfrm>
+          <a:prstGeom prst="rect">
+            <a:avLst/>
+          </a:prstGeom>
+          <a:noFill/>
+        </p:spPr>
+        <p:txBody>
+          <a:bodyPr wrap="square" rtlCol="0">
+            <a:spAutoFit/>
+          </a:bodyPr>
+          <a:lstStyle/>
+          <a:p>
+            <a:r>
+              <a:rPr lang="en-US" dirty="0"/>
+              <a:t>Bob Computes</a:t>
+            </a:r>
+          </a:p>
+          <a:p>
+            <a:r>
+              <a:rPr lang="en-US" dirty="0"/>
+              <a:t>B = </a:t>
+            </a:r>
+            <a:r>
+              <a:rPr lang="el-GR" dirty="0"/>
+              <a:t>α</a:t>
+            </a:r>
+            <a:r>
+              <a:rPr lang="en-US" baseline="30000" dirty="0"/>
+              <a:t>b</a:t>
+            </a:r>
+            <a:r>
+              <a:rPr lang="en-US" dirty="0"/>
+              <a:t> mod p</a:t>
+            </a:r>
+          </a:p>
+        </p:txBody>
+      </p:sp>
+      <p:sp>
+        <p:nvSpPr>
+          <p:cNvPr id="13" name="TextBox 12">
+            <a:extLst>
+              <a:ext uri="{FF2B5EF4-FFF2-40B4-BE49-F238E27FC236}">
+                <a16:creationId xmlns:a16="http://schemas.microsoft.com/office/drawing/2014/main" id="{7907C889-B20F-4979-9569-A381356D5956}"/>
+              </a:ext>
+            </a:extLst>
+          </p:cNvPr>
+          <p:cNvSpPr txBox="1"/>
+          <p:nvPr/>
+        </p:nvSpPr>
+        <p:spPr>
+          <a:xfrm>
+            <a:off x="2304175" y="3429000"/>
+            <a:ext cx="2167155" cy="1200329"/>
+          </a:xfrm>
+          <a:prstGeom prst="rect">
+            <a:avLst/>
+          </a:prstGeom>
+          <a:noFill/>
+          <a:ln w="38100">
+            <a:solidFill>
+              <a:schemeClr val="accent1"/>
+            </a:solidFill>
+          </a:ln>
+        </p:spPr>
+        <p:txBody>
+          <a:bodyPr wrap="square" rtlCol="0">
+            <a:spAutoFit/>
+          </a:bodyPr>
+          <a:lstStyle/>
+          <a:p>
+            <a:r>
+              <a:rPr lang="en-US" dirty="0"/>
+              <a:t>Alice Computes</a:t>
+            </a:r>
+          </a:p>
+          <a:p>
+            <a:r>
+              <a:rPr lang="en-US" dirty="0"/>
+              <a:t>key = B</a:t>
+            </a:r>
+            <a:r>
+              <a:rPr lang="en-US" baseline="30000" dirty="0"/>
+              <a:t>a</a:t>
+            </a:r>
+            <a:r>
+              <a:rPr lang="en-US" dirty="0"/>
+              <a:t> = </a:t>
+            </a:r>
+            <a:r>
+              <a:rPr lang="el-GR" dirty="0"/>
+              <a:t>α</a:t>
+            </a:r>
+            <a:r>
+              <a:rPr lang="en-US" baseline="30000" dirty="0"/>
+              <a:t>ab</a:t>
+            </a:r>
+            <a:r>
+              <a:rPr lang="en-US" dirty="0"/>
+              <a:t> mod p</a:t>
+            </a:r>
+          </a:p>
+          <a:p>
+            <a:endParaRPr lang="en-US" dirty="0"/>
+          </a:p>
+          <a:p>
+            <a:endParaRPr lang="en-US" dirty="0"/>
+          </a:p>
+        </p:txBody>
+      </p:sp>
+      <p:sp>
+        <p:nvSpPr>
+          <p:cNvPr id="14" name="TextBox 13">
+            <a:extLst>
+              <a:ext uri="{FF2B5EF4-FFF2-40B4-BE49-F238E27FC236}">
+                <a16:creationId xmlns:a16="http://schemas.microsoft.com/office/drawing/2014/main" id="{AD1DC189-410E-4147-B791-F0437DEDF7BC}"/>
+              </a:ext>
+            </a:extLst>
+          </p:cNvPr>
+          <p:cNvSpPr txBox="1"/>
+          <p:nvPr/>
+        </p:nvSpPr>
+        <p:spPr>
+          <a:xfrm>
+            <a:off x="7695500" y="3428999"/>
+            <a:ext cx="2416029" cy="1200329"/>
+          </a:xfrm>
+          <a:prstGeom prst="rect">
+            <a:avLst/>
+          </a:prstGeom>
+          <a:noFill/>
+          <a:ln w="38100">
+            <a:solidFill>
+              <a:schemeClr val="accent1"/>
+            </a:solidFill>
+          </a:ln>
+        </p:spPr>
+        <p:txBody>
+          <a:bodyPr wrap="square" rtlCol="0">
+            <a:spAutoFit/>
+          </a:bodyPr>
+          <a:lstStyle/>
+          <a:p>
+            <a:r>
+              <a:rPr lang="en-US" dirty="0"/>
+              <a:t>Bob Computes</a:t>
+            </a:r>
+          </a:p>
+          <a:p>
+            <a:r>
+              <a:rPr lang="en-US" dirty="0"/>
+              <a:t>key = A</a:t>
+            </a:r>
+            <a:r>
+              <a:rPr lang="en-US" baseline="30000" dirty="0"/>
+              <a:t>b</a:t>
+            </a:r>
+            <a:r>
+              <a:rPr lang="en-US" dirty="0"/>
+              <a:t> = </a:t>
+            </a:r>
+            <a:r>
+              <a:rPr lang="el-GR" dirty="0"/>
+              <a:t>α</a:t>
+            </a:r>
+            <a:r>
+              <a:rPr lang="en-US" baseline="30000" dirty="0"/>
+              <a:t>ab</a:t>
+            </a:r>
+            <a:r>
+              <a:rPr lang="en-US" dirty="0"/>
+              <a:t> mod p</a:t>
+            </a:r>
+          </a:p>
+          <a:p>
+            <a:endParaRPr lang="en-US" dirty="0"/>
+          </a:p>
+          <a:p>
+            <a:endParaRPr lang="en-US" dirty="0"/>
+          </a:p>
+        </p:txBody>
+      </p:sp>
+      <p:sp>
+        <p:nvSpPr>
+          <p:cNvPr id="15" name="TextBox 14">
+            <a:extLst>
+              <a:ext uri="{FF2B5EF4-FFF2-40B4-BE49-F238E27FC236}">
+                <a16:creationId xmlns:a16="http://schemas.microsoft.com/office/drawing/2014/main" id="{D7F71E00-A7CD-4844-B8B4-20EEBB71D485}"/>
+              </a:ext>
+            </a:extLst>
+          </p:cNvPr>
+          <p:cNvSpPr txBox="1"/>
+          <p:nvPr/>
+        </p:nvSpPr>
+        <p:spPr>
+          <a:xfrm>
+            <a:off x="4875401" y="4236272"/>
+            <a:ext cx="2416029" cy="1754326"/>
+          </a:xfrm>
+          <a:prstGeom prst="rect">
+            <a:avLst/>
+          </a:prstGeom>
+          <a:noFill/>
+          <a:ln w="38100">
+            <a:solidFill>
+              <a:srgbClr val="FF0000"/>
+            </a:solidFill>
+          </a:ln>
+        </p:spPr>
+        <p:txBody>
+          <a:bodyPr wrap="square" rtlCol="0">
+            <a:spAutoFit/>
+          </a:bodyPr>
+          <a:lstStyle/>
+          <a:p>
+            <a:r>
+              <a:rPr lang="en-US" dirty="0"/>
+              <a:t>Eve knows</a:t>
+            </a:r>
+          </a:p>
+          <a:p>
+            <a:r>
+              <a:rPr lang="en-US" dirty="0"/>
+              <a:t>p, </a:t>
+            </a:r>
+            <a:r>
+              <a:rPr lang="el-GR" dirty="0"/>
+              <a:t>α</a:t>
+            </a:r>
+            <a:r>
+              <a:rPr lang="en-US" dirty="0"/>
+              <a:t> , A = </a:t>
+            </a:r>
+            <a:r>
+              <a:rPr lang="el-GR" dirty="0"/>
+              <a:t>α</a:t>
+            </a:r>
+            <a:r>
+              <a:rPr lang="en-US" baseline="30000" dirty="0"/>
+              <a:t>a</a:t>
+            </a:r>
+            <a:r>
+              <a:rPr lang="en-US" dirty="0"/>
+              <a:t> , B = </a:t>
+            </a:r>
+            <a:r>
+              <a:rPr lang="el-GR" dirty="0"/>
+              <a:t>α</a:t>
+            </a:r>
+            <a:r>
+              <a:rPr lang="en-US" baseline="30000" dirty="0"/>
+              <a:t>b</a:t>
+            </a:r>
+            <a:r>
+              <a:rPr lang="en-US" dirty="0"/>
+              <a:t> </a:t>
+            </a:r>
+            <a:r>
+              <a:rPr lang="en-US" baseline="30000" dirty="0"/>
+              <a:t> </a:t>
+            </a:r>
+            <a:endParaRPr lang="en-US" dirty="0"/>
+          </a:p>
+          <a:p>
+            <a:r>
+              <a:rPr lang="en-US" dirty="0"/>
+              <a:t>Cannot compute </a:t>
+            </a:r>
+            <a:r>
+              <a:rPr lang="el-GR" dirty="0"/>
+              <a:t>α</a:t>
+            </a:r>
+            <a:r>
+              <a:rPr lang="en-US" baseline="30000" dirty="0"/>
+              <a:t>ab</a:t>
+            </a:r>
+            <a:r>
+              <a:rPr lang="en-US" dirty="0"/>
+              <a:t> without computing</a:t>
+            </a:r>
+          </a:p>
+          <a:p>
+            <a:r>
+              <a:rPr lang="en-US" dirty="0"/>
+              <a:t>a = log</a:t>
+            </a:r>
+            <a:r>
+              <a:rPr lang="el-GR" baseline="-25000" dirty="0"/>
+              <a:t>α</a:t>
+            </a:r>
+            <a:r>
+              <a:rPr lang="en-US" dirty="0"/>
+              <a:t>A or b = log</a:t>
+            </a:r>
+            <a:r>
+              <a:rPr lang="el-GR" baseline="-25000" dirty="0"/>
+              <a:t>α</a:t>
+            </a:r>
+            <a:r>
+              <a:rPr lang="en-US" dirty="0"/>
+              <a:t>B</a:t>
+            </a:r>
+          </a:p>
+          <a:p>
+            <a:endParaRPr lang="en-US" dirty="0"/>
+          </a:p>
+        </p:txBody>
+      </p:sp>
+      <p:cxnSp>
+        <p:nvCxnSpPr>
+          <p:cNvPr id="17" name="Straight Arrow Connector 16">
+            <a:extLst>
+              <a:ext uri="{FF2B5EF4-FFF2-40B4-BE49-F238E27FC236}">
+                <a16:creationId xmlns:a16="http://schemas.microsoft.com/office/drawing/2014/main" id="{7AFBB7E7-7EE8-40F1-8B9B-6740C6823CCA}"/>
+              </a:ext>
+            </a:extLst>
+          </p:cNvPr>
+          <p:cNvCxnSpPr>
+            <a:stCxn id="13" idx="3"/>
+            <a:endCxn id="14" idx="1"/>
+          </p:cNvCxnSpPr>
+          <p:nvPr/>
+        </p:nvCxnSpPr>
+        <p:spPr>
+          <a:xfrm flipV="1">
+            <a:off x="4471330" y="4029164"/>
+            <a:ext cx="3224170" cy="1"/>
+          </a:xfrm>
+          <a:prstGeom prst="straightConnector1">
+            <a:avLst/>
+          </a:prstGeom>
+          <a:ln w="38100">
+            <a:solidFill>
+              <a:schemeClr val="accent1"/>
+            </a:solidFill>
+            <a:headEnd type="arrow" w="med" len="med"/>
+            <a:tailEnd type="arrow" w="med" len="med"/>
+          </a:ln>
+        </p:spPr>
+        <p:style>
+          <a:lnRef idx="1">
+            <a:schemeClr val="accent1"/>
+          </a:lnRef>
+          <a:fillRef idx="0">
+            <a:schemeClr val="accent1"/>
+          </a:fillRef>
+          <a:effectRef idx="0">
+            <a:schemeClr val="accent1"/>
+          </a:effectRef>
+          <a:fontRef idx="minor">
+            <a:schemeClr val="tx1"/>
+          </a:fontRef>
+        </p:style>
+      </p:cxnSp>
+      <p:pic>
+        <p:nvPicPr>
+          <p:cNvPr id="2" name="Picture 1">
+            <a:extLst>
+              <a:ext uri="{FF2B5EF4-FFF2-40B4-BE49-F238E27FC236}">
+                <a16:creationId xmlns:a16="http://schemas.microsoft.com/office/drawing/2014/main" id="{615E8FBC-B08D-49E2-AA08-ACAE4258DED4}"/>
+              </a:ext>
+            </a:extLst>
+          </p:cNvPr>
+          <p:cNvPicPr>
+            <a:picLocks noChangeAspect="1"/>
+          </p:cNvPicPr>
+          <p:nvPr/>
+        </p:nvPicPr>
+        <p:blipFill>
+          <a:blip r:embed="rId3"/>
+          <a:stretch>
+            <a:fillRect/>
+          </a:stretch>
+        </p:blipFill>
+        <p:spPr>
+          <a:xfrm>
+            <a:off x="2367356" y="2763863"/>
+            <a:ext cx="2034652" cy="429678"/>
+          </a:xfrm>
+          <a:prstGeom prst="rect">
+            <a:avLst/>
+          </a:prstGeom>
+        </p:spPr>
+      </p:pic>
       <p:pic>
         <p:nvPicPr>
           <p:cNvPr id="4" name="Picture 3">
             <a:extLst>
               <a:ext uri="{FF2B5EF4-FFF2-40B4-BE49-F238E27FC236}">
-                <a16:creationId xmlns:a16="http://schemas.microsoft.com/office/drawing/2014/main" id="{5BEEAEFD-8A0F-4612-9C18-45C0027C4861}"/>
-              </a:ext>
-            </a:extLst>
-          </p:cNvPr>
-          <p:cNvPicPr/>
+                <a16:creationId xmlns:a16="http://schemas.microsoft.com/office/drawing/2014/main" id="{06A5D18F-CAF1-4B39-AE37-6147BC194B20}"/>
+              </a:ext>
+            </a:extLst>
+          </p:cNvPr>
+          <p:cNvPicPr>
+            <a:picLocks noChangeAspect="1"/>
+          </p:cNvPicPr>
           <p:nvPr/>
         </p:nvPicPr>
         <p:blipFill>
@@ -9725,18 +10572,340 @@
         </p:blipFill>
         <p:spPr>
           <a:xfrm>
-            <a:off x="958267" y="1577129"/>
-            <a:ext cx="6549879" cy="4580389"/>
+            <a:off x="7882680" y="2808161"/>
+            <a:ext cx="1782378" cy="385379"/>
           </a:xfrm>
           <a:prstGeom prst="rect">
             <a:avLst/>
           </a:prstGeom>
         </p:spPr>
       </p:pic>
+      <p:sp>
+        <p:nvSpPr>
+          <p:cNvPr id="9" name="TextBox 8">
+            <a:extLst>
+              <a:ext uri="{FF2B5EF4-FFF2-40B4-BE49-F238E27FC236}">
+                <a16:creationId xmlns:a16="http://schemas.microsoft.com/office/drawing/2014/main" id="{0BA93425-7E8F-4A27-82E3-65ED530FD386}"/>
+              </a:ext>
+            </a:extLst>
+          </p:cNvPr>
+          <p:cNvSpPr txBox="1"/>
+          <p:nvPr/>
+        </p:nvSpPr>
+        <p:spPr>
+          <a:xfrm>
+            <a:off x="2304176" y="2150594"/>
+            <a:ext cx="2416029" cy="646331"/>
+          </a:xfrm>
+          <a:prstGeom prst="rect">
+            <a:avLst/>
+          </a:prstGeom>
+          <a:noFill/>
+        </p:spPr>
+        <p:txBody>
+          <a:bodyPr wrap="square" rtlCol="0">
+            <a:spAutoFit/>
+          </a:bodyPr>
+          <a:lstStyle/>
+          <a:p>
+            <a:r>
+              <a:rPr lang="en-US" dirty="0"/>
+              <a:t>Alice Computes</a:t>
+            </a:r>
+          </a:p>
+          <a:p>
+            <a:r>
+              <a:rPr lang="en-US" dirty="0"/>
+              <a:t>A = </a:t>
+            </a:r>
+            <a:r>
+              <a:rPr lang="el-GR" dirty="0"/>
+              <a:t>α</a:t>
+            </a:r>
+            <a:r>
+              <a:rPr lang="en-US" baseline="30000" dirty="0"/>
+              <a:t>a</a:t>
+            </a:r>
+            <a:r>
+              <a:rPr lang="en-US" dirty="0"/>
+              <a:t> mod p</a:t>
+            </a:r>
+          </a:p>
+        </p:txBody>
+      </p:sp>
+      <p:pic>
+        <p:nvPicPr>
+          <p:cNvPr id="5" name="Picture 4">
+            <a:extLst>
+              <a:ext uri="{FF2B5EF4-FFF2-40B4-BE49-F238E27FC236}">
+                <a16:creationId xmlns:a16="http://schemas.microsoft.com/office/drawing/2014/main" id="{9CD36A35-EE18-4AD3-9C77-633FCAB5C81D}"/>
+              </a:ext>
+            </a:extLst>
+          </p:cNvPr>
+          <p:cNvPicPr>
+            <a:picLocks noChangeAspect="1"/>
+          </p:cNvPicPr>
+          <p:nvPr/>
+        </p:nvPicPr>
+        <p:blipFill>
+          <a:blip r:embed="rId5"/>
+          <a:stretch>
+            <a:fillRect/>
+          </a:stretch>
+        </p:blipFill>
+        <p:spPr>
+          <a:xfrm>
+            <a:off x="2373078" y="4075329"/>
+            <a:ext cx="2033631" cy="454725"/>
+          </a:xfrm>
+          <a:prstGeom prst="rect">
+            <a:avLst/>
+          </a:prstGeom>
+        </p:spPr>
+      </p:pic>
+      <p:pic>
+        <p:nvPicPr>
+          <p:cNvPr id="16" name="Picture 15">
+            <a:extLst>
+              <a:ext uri="{FF2B5EF4-FFF2-40B4-BE49-F238E27FC236}">
+                <a16:creationId xmlns:a16="http://schemas.microsoft.com/office/drawing/2014/main" id="{750E83DC-80E1-4E93-A3BF-6AC31CD2AC8B}"/>
+              </a:ext>
+            </a:extLst>
+          </p:cNvPr>
+          <p:cNvPicPr>
+            <a:picLocks noChangeAspect="1"/>
+          </p:cNvPicPr>
+          <p:nvPr/>
+        </p:nvPicPr>
+        <p:blipFill rotWithShape="1">
+          <a:blip r:embed="rId6"/>
+          <a:srcRect t="-1" b="8882"/>
+          <a:stretch/>
+        </p:blipFill>
+        <p:spPr>
+          <a:xfrm>
+            <a:off x="7819938" y="4029163"/>
+            <a:ext cx="2067878" cy="422521"/>
+          </a:xfrm>
+          <a:prstGeom prst="rect">
+            <a:avLst/>
+          </a:prstGeom>
+        </p:spPr>
+      </p:pic>
+      <p:sp>
+        <p:nvSpPr>
+          <p:cNvPr id="19" name="TextBox 18">
+            <a:extLst>
+              <a:ext uri="{FF2B5EF4-FFF2-40B4-BE49-F238E27FC236}">
+                <a16:creationId xmlns:a16="http://schemas.microsoft.com/office/drawing/2014/main" id="{CA6F5D41-B5B1-4D83-958D-3C158B55B96E}"/>
+              </a:ext>
+            </a:extLst>
+          </p:cNvPr>
+          <p:cNvSpPr txBox="1"/>
+          <p:nvPr/>
+        </p:nvSpPr>
+        <p:spPr>
+          <a:xfrm>
+            <a:off x="4999837" y="3279279"/>
+            <a:ext cx="2167155" cy="646331"/>
+          </a:xfrm>
+          <a:prstGeom prst="rect">
+            <a:avLst/>
+          </a:prstGeom>
+          <a:noFill/>
+          <a:ln w="38100">
+            <a:solidFill>
+              <a:schemeClr val="accent1"/>
+            </a:solidFill>
+          </a:ln>
+        </p:spPr>
+        <p:txBody>
+          <a:bodyPr wrap="square" rtlCol="0">
+            <a:spAutoFit/>
+          </a:bodyPr>
+          <a:lstStyle/>
+          <a:p>
+            <a:r>
+              <a:rPr lang="en-US" dirty="0"/>
+              <a:t>Shared secret key</a:t>
+            </a:r>
+          </a:p>
+          <a:p>
+            <a:r>
+              <a:rPr lang="en-US" dirty="0"/>
+              <a:t>key = 90</a:t>
+            </a:r>
+          </a:p>
+        </p:txBody>
+      </p:sp>
+      <p:cxnSp>
+        <p:nvCxnSpPr>
+          <p:cNvPr id="18" name="Straight Arrow Connector 17">
+            <a:extLst>
+              <a:ext uri="{FF2B5EF4-FFF2-40B4-BE49-F238E27FC236}">
+                <a16:creationId xmlns:a16="http://schemas.microsoft.com/office/drawing/2014/main" id="{08E983F6-8228-4DBB-B7AE-57C0A73629E8}"/>
+              </a:ext>
+            </a:extLst>
+          </p:cNvPr>
+          <p:cNvCxnSpPr>
+            <a:endCxn id="5" idx="0"/>
+          </p:cNvCxnSpPr>
+          <p:nvPr/>
+        </p:nvCxnSpPr>
+        <p:spPr>
+          <a:xfrm flipH="1">
+            <a:off x="3389894" y="2072081"/>
+            <a:ext cx="2625012" cy="2003248"/>
+          </a:xfrm>
+          <a:prstGeom prst="straightConnector1">
+            <a:avLst/>
+          </a:prstGeom>
+          <a:ln w="38100">
+            <a:tailEnd type="triangle"/>
+          </a:ln>
+        </p:spPr>
+        <p:style>
+          <a:lnRef idx="1">
+            <a:schemeClr val="accent1"/>
+          </a:lnRef>
+          <a:fillRef idx="0">
+            <a:schemeClr val="accent1"/>
+          </a:fillRef>
+          <a:effectRef idx="0">
+            <a:schemeClr val="accent1"/>
+          </a:effectRef>
+          <a:fontRef idx="minor">
+            <a:schemeClr val="tx1"/>
+          </a:fontRef>
+        </p:style>
+      </p:cxnSp>
+      <p:cxnSp>
+        <p:nvCxnSpPr>
+          <p:cNvPr id="20" name="Straight Arrow Connector 19">
+            <a:extLst>
+              <a:ext uri="{FF2B5EF4-FFF2-40B4-BE49-F238E27FC236}">
+                <a16:creationId xmlns:a16="http://schemas.microsoft.com/office/drawing/2014/main" id="{2EDB9F2C-43F5-4D7F-A4EF-AD530B011449}"/>
+              </a:ext>
+            </a:extLst>
+          </p:cNvPr>
+          <p:cNvCxnSpPr>
+            <a:cxnSpLocks/>
+          </p:cNvCxnSpPr>
+          <p:nvPr/>
+        </p:nvCxnSpPr>
+        <p:spPr>
+          <a:xfrm>
+            <a:off x="2978092" y="1914845"/>
+            <a:ext cx="687897" cy="2160484"/>
+          </a:xfrm>
+          <a:prstGeom prst="straightConnector1">
+            <a:avLst/>
+          </a:prstGeom>
+          <a:ln w="38100">
+            <a:tailEnd type="triangle"/>
+          </a:ln>
+        </p:spPr>
+        <p:style>
+          <a:lnRef idx="1">
+            <a:schemeClr val="accent1"/>
+          </a:lnRef>
+          <a:fillRef idx="0">
+            <a:schemeClr val="accent1"/>
+          </a:fillRef>
+          <a:effectRef idx="0">
+            <a:schemeClr val="accent1"/>
+          </a:effectRef>
+          <a:fontRef idx="minor">
+            <a:schemeClr val="tx1"/>
+          </a:fontRef>
+        </p:style>
+      </p:cxnSp>
+      <p:cxnSp>
+        <p:nvCxnSpPr>
+          <p:cNvPr id="23" name="Straight Arrow Connector 22">
+            <a:extLst>
+              <a:ext uri="{FF2B5EF4-FFF2-40B4-BE49-F238E27FC236}">
+                <a16:creationId xmlns:a16="http://schemas.microsoft.com/office/drawing/2014/main" id="{9E08C75E-29AC-4107-A0DB-27122C64AF81}"/>
+              </a:ext>
+            </a:extLst>
+          </p:cNvPr>
+          <p:cNvCxnSpPr>
+            <a:cxnSpLocks/>
+          </p:cNvCxnSpPr>
+          <p:nvPr/>
+        </p:nvCxnSpPr>
+        <p:spPr>
+          <a:xfrm>
+            <a:off x="5482206" y="2072081"/>
+            <a:ext cx="3291663" cy="1957082"/>
+          </a:xfrm>
+          <a:prstGeom prst="straightConnector1">
+            <a:avLst/>
+          </a:prstGeom>
+          <a:ln w="38100">
+            <a:tailEnd type="triangle"/>
+          </a:ln>
+        </p:spPr>
+        <p:style>
+          <a:lnRef idx="1">
+            <a:schemeClr val="accent1"/>
+          </a:lnRef>
+          <a:fillRef idx="0">
+            <a:schemeClr val="accent1"/>
+          </a:fillRef>
+          <a:effectRef idx="0">
+            <a:schemeClr val="accent1"/>
+          </a:effectRef>
+          <a:fontRef idx="minor">
+            <a:schemeClr val="tx1"/>
+          </a:fontRef>
+        </p:style>
+      </p:cxnSp>
+      <p:cxnSp>
+        <p:nvCxnSpPr>
+          <p:cNvPr id="25" name="Straight Arrow Connector 24">
+            <a:extLst>
+              <a:ext uri="{FF2B5EF4-FFF2-40B4-BE49-F238E27FC236}">
+                <a16:creationId xmlns:a16="http://schemas.microsoft.com/office/drawing/2014/main" id="{949E3ABC-A48E-41BF-9236-69B47F3D3EF2}"/>
+              </a:ext>
+            </a:extLst>
+          </p:cNvPr>
+          <p:cNvCxnSpPr>
+            <a:cxnSpLocks/>
+          </p:cNvCxnSpPr>
+          <p:nvPr/>
+        </p:nvCxnSpPr>
+        <p:spPr>
+          <a:xfrm>
+            <a:off x="8500840" y="1771999"/>
+            <a:ext cx="713068" cy="2289077"/>
+          </a:xfrm>
+          <a:prstGeom prst="straightConnector1">
+            <a:avLst/>
+          </a:prstGeom>
+          <a:ln w="38100">
+            <a:tailEnd type="triangle"/>
+          </a:ln>
+        </p:spPr>
+        <p:style>
+          <a:lnRef idx="1">
+            <a:schemeClr val="accent1"/>
+          </a:lnRef>
+          <a:fillRef idx="0">
+            <a:schemeClr val="accent1"/>
+          </a:fillRef>
+          <a:effectRef idx="0">
+            <a:schemeClr val="accent1"/>
+          </a:effectRef>
+          <a:fontRef idx="minor">
+            <a:schemeClr val="tx1"/>
+          </a:fontRef>
+        </p:style>
+      </p:cxnSp>
     </p:spTree>
     <p:extLst>
       <p:ext uri="{BB962C8B-B14F-4D97-AF65-F5344CB8AC3E}">
-        <p14:creationId xmlns:p14="http://schemas.microsoft.com/office/powerpoint/2010/main" val="3523080672"/>
+        <p14:creationId xmlns:p14="http://schemas.microsoft.com/office/powerpoint/2010/main" val="1019523086"/>
       </p:ext>
     </p:extLst>
   </p:cSld>

--- a/6.Crypto/Cryptology6-Diffie-Hellman.pptx
+++ b/6.Crypto/Cryptology6-Diffie-Hellman.pptx
@@ -214,7 +214,7 @@
           <a:p>
             <a:fld id="{8F1BD06C-C81C-47D7-B7EE-28E1C7297220}" type="datetimeFigureOut">
               <a:rPr lang="en-US" smtClean="0"/>
-              <a:t>11/12/2021</a:t>
+              <a:t>2/22/2022</a:t>
             </a:fld>
             <a:endParaRPr lang="en-US"/>
           </a:p>
@@ -1254,15 +1254,7 @@
           <a:p>
             <a:r>
               <a:rPr lang="en-US" dirty="0"/>
-              <a:t>In summary, we can’t just choose a large random number for p, </a:t>
-            </a:r>
-            <a:r>
-              <a:rPr lang="en-US"/>
-              <a:t>and simply </a:t>
-            </a:r>
-            <a:r>
-              <a:rPr lang="en-US" dirty="0"/>
-              <a:t>choose another number for </a:t>
+              <a:t>In summary, we can’t just choose a large random number for p, and simply choose another number for </a:t>
             </a:r>
             <a:r>
               <a:rPr lang="el-GR" dirty="0"/>
@@ -1311,7 +1303,15 @@
             </a:r>
             <a:r>
               <a:rPr lang="en-US" dirty="0"/>
-              <a:t> should create a subgroup of at least 224 members comes from NIST.  See the chart in the next slide.</a:t>
+              <a:t> should create a subgroup size of at least </a:t>
+            </a:r>
+            <a:r>
+              <a:rPr lang="en-US"/>
+              <a:t>224 bits </a:t>
+            </a:r>
+            <a:r>
+              <a:rPr lang="en-US" dirty="0"/>
+              <a:t>comes from NIST.  See the chart in the next slide.</a:t>
             </a:r>
           </a:p>
         </p:txBody>
@@ -2832,7 +2832,7 @@
           <a:p>
             <a:fld id="{FAD5841D-BCB9-45F1-AE12-EC4A780766DC}" type="datetimeFigureOut">
               <a:rPr lang="en-US" smtClean="0"/>
-              <a:t>11/12/2021</a:t>
+              <a:t>2/22/2022</a:t>
             </a:fld>
             <a:endParaRPr lang="en-US"/>
           </a:p>
@@ -3030,7 +3030,7 @@
           <a:p>
             <a:fld id="{FAD5841D-BCB9-45F1-AE12-EC4A780766DC}" type="datetimeFigureOut">
               <a:rPr lang="en-US" smtClean="0"/>
-              <a:t>11/12/2021</a:t>
+              <a:t>2/22/2022</a:t>
             </a:fld>
             <a:endParaRPr lang="en-US"/>
           </a:p>
@@ -3238,7 +3238,7 @@
           <a:p>
             <a:fld id="{FAD5841D-BCB9-45F1-AE12-EC4A780766DC}" type="datetimeFigureOut">
               <a:rPr lang="en-US" smtClean="0"/>
-              <a:t>11/12/2021</a:t>
+              <a:t>2/22/2022</a:t>
             </a:fld>
             <a:endParaRPr lang="en-US"/>
           </a:p>
@@ -3436,7 +3436,7 @@
           <a:p>
             <a:fld id="{FAD5841D-BCB9-45F1-AE12-EC4A780766DC}" type="datetimeFigureOut">
               <a:rPr lang="en-US" smtClean="0"/>
-              <a:t>11/12/2021</a:t>
+              <a:t>2/22/2022</a:t>
             </a:fld>
             <a:endParaRPr lang="en-US"/>
           </a:p>
@@ -3711,7 +3711,7 @@
           <a:p>
             <a:fld id="{FAD5841D-BCB9-45F1-AE12-EC4A780766DC}" type="datetimeFigureOut">
               <a:rPr lang="en-US" smtClean="0"/>
-              <a:t>11/12/2021</a:t>
+              <a:t>2/22/2022</a:t>
             </a:fld>
             <a:endParaRPr lang="en-US"/>
           </a:p>
@@ -3976,7 +3976,7 @@
           <a:p>
             <a:fld id="{FAD5841D-BCB9-45F1-AE12-EC4A780766DC}" type="datetimeFigureOut">
               <a:rPr lang="en-US" smtClean="0"/>
-              <a:t>11/12/2021</a:t>
+              <a:t>2/22/2022</a:t>
             </a:fld>
             <a:endParaRPr lang="en-US"/>
           </a:p>
@@ -4388,7 +4388,7 @@
           <a:p>
             <a:fld id="{FAD5841D-BCB9-45F1-AE12-EC4A780766DC}" type="datetimeFigureOut">
               <a:rPr lang="en-US" smtClean="0"/>
-              <a:t>11/12/2021</a:t>
+              <a:t>2/22/2022</a:t>
             </a:fld>
             <a:endParaRPr lang="en-US"/>
           </a:p>
@@ -4529,7 +4529,7 @@
           <a:p>
             <a:fld id="{FAD5841D-BCB9-45F1-AE12-EC4A780766DC}" type="datetimeFigureOut">
               <a:rPr lang="en-US" smtClean="0"/>
-              <a:t>11/12/2021</a:t>
+              <a:t>2/22/2022</a:t>
             </a:fld>
             <a:endParaRPr lang="en-US"/>
           </a:p>
@@ -4642,7 +4642,7 @@
           <a:p>
             <a:fld id="{FAD5841D-BCB9-45F1-AE12-EC4A780766DC}" type="datetimeFigureOut">
               <a:rPr lang="en-US" smtClean="0"/>
-              <a:t>11/12/2021</a:t>
+              <a:t>2/22/2022</a:t>
             </a:fld>
             <a:endParaRPr lang="en-US"/>
           </a:p>
@@ -4953,7 +4953,7 @@
           <a:p>
             <a:fld id="{FAD5841D-BCB9-45F1-AE12-EC4A780766DC}" type="datetimeFigureOut">
               <a:rPr lang="en-US" smtClean="0"/>
-              <a:t>11/12/2021</a:t>
+              <a:t>2/22/2022</a:t>
             </a:fld>
             <a:endParaRPr lang="en-US"/>
           </a:p>
@@ -5241,7 +5241,7 @@
           <a:p>
             <a:fld id="{FAD5841D-BCB9-45F1-AE12-EC4A780766DC}" type="datetimeFigureOut">
               <a:rPr lang="en-US" smtClean="0"/>
-              <a:t>11/12/2021</a:t>
+              <a:t>2/22/2022</a:t>
             </a:fld>
             <a:endParaRPr lang="en-US"/>
           </a:p>
@@ -5482,7 +5482,7 @@
           <a:p>
             <a:fld id="{FAD5841D-BCB9-45F1-AE12-EC4A780766DC}" type="datetimeFigureOut">
               <a:rPr lang="en-US" smtClean="0"/>
-              <a:t>11/12/2021</a:t>
+              <a:t>2/22/2022</a:t>
             </a:fld>
             <a:endParaRPr lang="en-US"/>
           </a:p>
@@ -6589,7 +6589,7 @@
             </a:pPr>
             <a:r>
               <a:rPr lang="en-US" dirty="0"/>
-              <a:t>Good			OK				Awful</a:t>
+              <a:t>Good			OK		Bad		       Awful</a:t>
             </a:r>
           </a:p>
           <a:p>
@@ -6620,8 +6620,8 @@
         </p:blipFill>
         <p:spPr>
           <a:xfrm>
-            <a:off x="878507" y="2424112"/>
-            <a:ext cx="2862391" cy="4068763"/>
+            <a:off x="930760" y="2424111"/>
+            <a:ext cx="2412516" cy="4068763"/>
           </a:xfrm>
           <a:prstGeom prst="rect">
             <a:avLst/>
@@ -6650,8 +6650,8 @@
         </p:blipFill>
         <p:spPr>
           <a:xfrm>
-            <a:off x="3921882" y="2424111"/>
-            <a:ext cx="2888932" cy="4068763"/>
+            <a:off x="3478834" y="2424111"/>
+            <a:ext cx="2412515" cy="4068763"/>
           </a:xfrm>
           <a:prstGeom prst="rect">
             <a:avLst/>
@@ -6680,8 +6680,37 @@
         </p:blipFill>
         <p:spPr>
           <a:xfrm>
-            <a:off x="7389421" y="2553629"/>
-            <a:ext cx="2888932" cy="3855571"/>
+            <a:off x="8449521" y="2553629"/>
+            <a:ext cx="2624838" cy="3855571"/>
+          </a:xfrm>
+          <a:prstGeom prst="rect">
+            <a:avLst/>
+          </a:prstGeom>
+        </p:spPr>
+      </p:pic>
+      <p:pic>
+        <p:nvPicPr>
+          <p:cNvPr id="3" name="Picture 2">
+            <a:extLst>
+              <a:ext uri="{FF2B5EF4-FFF2-40B4-BE49-F238E27FC236}">
+                <a16:creationId xmlns:a16="http://schemas.microsoft.com/office/drawing/2014/main" id="{502197A0-9309-4CF1-AAD7-0F12C2A25626}"/>
+              </a:ext>
+            </a:extLst>
+          </p:cNvPr>
+          <p:cNvPicPr>
+            <a:picLocks noChangeAspect="1"/>
+          </p:cNvPicPr>
+          <p:nvPr/>
+        </p:nvPicPr>
+        <p:blipFill rotWithShape="1">
+          <a:blip r:embed="rId6"/>
+          <a:srcRect l="8089"/>
+          <a:stretch/>
+        </p:blipFill>
+        <p:spPr>
+          <a:xfrm>
+            <a:off x="5757564" y="2431593"/>
+            <a:ext cx="2488877" cy="3977607"/>
           </a:xfrm>
           <a:prstGeom prst="rect">
             <a:avLst/>
@@ -7094,7 +7123,7 @@
             </a:r>
             <a:r>
               <a:rPr lang="en-US" dirty="0"/>
-              <a:t> generates a subgroup of at least 224 members</a:t>
+              <a:t> generates a subgroup size of at least 224 bits</a:t>
             </a:r>
           </a:p>
         </p:txBody>
